--- a/Java.pptx
+++ b/Java.pptx
@@ -11,26 +11,30 @@
     <p:sldId id="263" r:id="rId5"/>
     <p:sldId id="267" r:id="rId6"/>
     <p:sldId id="264" r:id="rId7"/>
-    <p:sldId id="262" r:id="rId8"/>
-    <p:sldId id="265" r:id="rId9"/>
-    <p:sldId id="266" r:id="rId10"/>
-    <p:sldId id="268" r:id="rId11"/>
-    <p:sldId id="272" r:id="rId12"/>
-    <p:sldId id="269" r:id="rId13"/>
-    <p:sldId id="270" r:id="rId14"/>
-    <p:sldId id="271" r:id="rId15"/>
-    <p:sldId id="273" r:id="rId16"/>
-    <p:sldId id="274" r:id="rId17"/>
-    <p:sldId id="277" r:id="rId18"/>
-    <p:sldId id="278" r:id="rId19"/>
-    <p:sldId id="280" r:id="rId20"/>
-    <p:sldId id="281" r:id="rId21"/>
-    <p:sldId id="282" r:id="rId22"/>
-    <p:sldId id="283" r:id="rId23"/>
-    <p:sldId id="284" r:id="rId24"/>
-    <p:sldId id="259" r:id="rId25"/>
-    <p:sldId id="258" r:id="rId26"/>
-    <p:sldId id="260" r:id="rId27"/>
+    <p:sldId id="285" r:id="rId8"/>
+    <p:sldId id="262" r:id="rId9"/>
+    <p:sldId id="265" r:id="rId10"/>
+    <p:sldId id="286" r:id="rId11"/>
+    <p:sldId id="266" r:id="rId12"/>
+    <p:sldId id="268" r:id="rId13"/>
+    <p:sldId id="272" r:id="rId14"/>
+    <p:sldId id="287" r:id="rId15"/>
+    <p:sldId id="269" r:id="rId16"/>
+    <p:sldId id="270" r:id="rId17"/>
+    <p:sldId id="271" r:id="rId18"/>
+    <p:sldId id="288" r:id="rId19"/>
+    <p:sldId id="273" r:id="rId20"/>
+    <p:sldId id="274" r:id="rId21"/>
+    <p:sldId id="277" r:id="rId22"/>
+    <p:sldId id="278" r:id="rId23"/>
+    <p:sldId id="280" r:id="rId24"/>
+    <p:sldId id="281" r:id="rId25"/>
+    <p:sldId id="282" r:id="rId26"/>
+    <p:sldId id="283" r:id="rId27"/>
+    <p:sldId id="284" r:id="rId28"/>
+    <p:sldId id="259" r:id="rId29"/>
+    <p:sldId id="258" r:id="rId30"/>
+    <p:sldId id="260" r:id="rId31"/>
   </p:sldIdLst>
   <p:sldSz cx="12192000" cy="6858000"/>
   <p:notesSz cx="6858000" cy="9144000"/>
@@ -144,8 +148,10 @@
         </p14:section>
         <p14:section name="Basic Programming" id="{98374480-EFE7-4032-9887-9DEF24D1DB70}">
           <p14:sldIdLst>
+            <p14:sldId id="285"/>
             <p14:sldId id="262"/>
             <p14:sldId id="265"/>
+            <p14:sldId id="286"/>
             <p14:sldId id="266"/>
             <p14:sldId id="268"/>
             <p14:sldId id="272"/>
@@ -153,6 +159,7 @@
         </p14:section>
         <p14:section name="Modifiers" id="{2383DECD-EEE8-44C9-9852-81AF520DE4F1}">
           <p14:sldIdLst>
+            <p14:sldId id="287"/>
             <p14:sldId id="269"/>
             <p14:sldId id="270"/>
             <p14:sldId id="271"/>
@@ -160,6 +167,7 @@
         </p14:section>
         <p14:section name="Class structure" id="{7E377956-039E-45DF-9973-D3614E0AD608}">
           <p14:sldIdLst>
+            <p14:sldId id="288"/>
             <p14:sldId id="273"/>
             <p14:sldId id="274"/>
             <p14:sldId id="277"/>
@@ -336,7 +344,7 @@
           <a:p>
             <a:fld id="{BF508634-33FA-4558-8805-98315E249718}" type="datetimeFigureOut">
               <a:rPr lang="en-DK" smtClean="0"/>
-              <a:t>28/01/2024</a:t>
+              <a:t>11/02/2024</a:t>
             </a:fld>
             <a:endParaRPr lang="en-DK"/>
           </a:p>
@@ -536,7 +544,7 @@
           <a:p>
             <a:fld id="{BF508634-33FA-4558-8805-98315E249718}" type="datetimeFigureOut">
               <a:rPr lang="en-DK" smtClean="0"/>
-              <a:t>28/01/2024</a:t>
+              <a:t>11/02/2024</a:t>
             </a:fld>
             <a:endParaRPr lang="en-DK"/>
           </a:p>
@@ -746,7 +754,7 @@
           <a:p>
             <a:fld id="{BF508634-33FA-4558-8805-98315E249718}" type="datetimeFigureOut">
               <a:rPr lang="en-DK" smtClean="0"/>
-              <a:t>28/01/2024</a:t>
+              <a:t>11/02/2024</a:t>
             </a:fld>
             <a:endParaRPr lang="en-DK"/>
           </a:p>
@@ -946,7 +954,7 @@
           <a:p>
             <a:fld id="{BF508634-33FA-4558-8805-98315E249718}" type="datetimeFigureOut">
               <a:rPr lang="en-DK" smtClean="0"/>
-              <a:t>28/01/2024</a:t>
+              <a:t>11/02/2024</a:t>
             </a:fld>
             <a:endParaRPr lang="en-DK"/>
           </a:p>
@@ -1222,7 +1230,7 @@
           <a:p>
             <a:fld id="{BF508634-33FA-4558-8805-98315E249718}" type="datetimeFigureOut">
               <a:rPr lang="en-DK" smtClean="0"/>
-              <a:t>28/01/2024</a:t>
+              <a:t>11/02/2024</a:t>
             </a:fld>
             <a:endParaRPr lang="en-DK"/>
           </a:p>
@@ -1490,7 +1498,7 @@
           <a:p>
             <a:fld id="{BF508634-33FA-4558-8805-98315E249718}" type="datetimeFigureOut">
               <a:rPr lang="en-DK" smtClean="0"/>
-              <a:t>28/01/2024</a:t>
+              <a:t>11/02/2024</a:t>
             </a:fld>
             <a:endParaRPr lang="en-DK"/>
           </a:p>
@@ -1905,7 +1913,7 @@
           <a:p>
             <a:fld id="{BF508634-33FA-4558-8805-98315E249718}" type="datetimeFigureOut">
               <a:rPr lang="en-DK" smtClean="0"/>
-              <a:t>28/01/2024</a:t>
+              <a:t>11/02/2024</a:t>
             </a:fld>
             <a:endParaRPr lang="en-DK"/>
           </a:p>
@@ -2047,7 +2055,7 @@
           <a:p>
             <a:fld id="{BF508634-33FA-4558-8805-98315E249718}" type="datetimeFigureOut">
               <a:rPr lang="en-DK" smtClean="0"/>
-              <a:t>28/01/2024</a:t>
+              <a:t>11/02/2024</a:t>
             </a:fld>
             <a:endParaRPr lang="en-DK"/>
           </a:p>
@@ -2160,7 +2168,7 @@
           <a:p>
             <a:fld id="{BF508634-33FA-4558-8805-98315E249718}" type="datetimeFigureOut">
               <a:rPr lang="en-DK" smtClean="0"/>
-              <a:t>28/01/2024</a:t>
+              <a:t>11/02/2024</a:t>
             </a:fld>
             <a:endParaRPr lang="en-DK"/>
           </a:p>
@@ -2473,7 +2481,7 @@
           <a:p>
             <a:fld id="{BF508634-33FA-4558-8805-98315E249718}" type="datetimeFigureOut">
               <a:rPr lang="en-DK" smtClean="0"/>
-              <a:t>28/01/2024</a:t>
+              <a:t>11/02/2024</a:t>
             </a:fld>
             <a:endParaRPr lang="en-DK"/>
           </a:p>
@@ -2762,7 +2770,7 @@
           <a:p>
             <a:fld id="{BF508634-33FA-4558-8805-98315E249718}" type="datetimeFigureOut">
               <a:rPr lang="en-DK" smtClean="0"/>
-              <a:t>28/01/2024</a:t>
+              <a:t>11/02/2024</a:t>
             </a:fld>
             <a:endParaRPr lang="en-DK"/>
           </a:p>
@@ -3005,7 +3013,7 @@
           <a:p>
             <a:fld id="{BF508634-33FA-4558-8805-98315E249718}" type="datetimeFigureOut">
               <a:rPr lang="en-DK" smtClean="0"/>
-              <a:t>28/01/2024</a:t>
+              <a:t>11/02/2024</a:t>
             </a:fld>
             <a:endParaRPr lang="en-DK"/>
           </a:p>
@@ -3528,6 +3536,841 @@
           <p:cNvPr id="2" name="Titel 1">
             <a:extLst>
               <a:ext uri="{FF2B5EF4-FFF2-40B4-BE49-F238E27FC236}">
+                <a16:creationId xmlns:a16="http://schemas.microsoft.com/office/drawing/2014/main" id="{8F38AA4C-8719-80BC-7B13-17243B713EB4}"/>
+              </a:ext>
+            </a:extLst>
+          </p:cNvPr>
+          <p:cNvSpPr>
+            <a:spLocks noGrp="1"/>
+          </p:cNvSpPr>
+          <p:nvPr>
+            <p:ph type="title"/>
+          </p:nvPr>
+        </p:nvSpPr>
+        <p:spPr/>
+        <p:txBody>
+          <a:bodyPr/>
+          <a:lstStyle/>
+          <a:p>
+            <a:r>
+              <a:rPr lang="en-US" dirty="0"/>
+              <a:t>Datatypes – Non-Primitive </a:t>
+            </a:r>
+            <a:endParaRPr lang="en-DK" dirty="0"/>
+          </a:p>
+        </p:txBody>
+      </p:sp>
+      <p:graphicFrame>
+        <p:nvGraphicFramePr>
+          <p:cNvPr id="4" name="Pladsholder til indhold 3">
+            <a:extLst>
+              <a:ext uri="{FF2B5EF4-FFF2-40B4-BE49-F238E27FC236}">
+                <a16:creationId xmlns:a16="http://schemas.microsoft.com/office/drawing/2014/main" id="{090827B4-98D3-9A18-1B16-E9C7C6D4852F}"/>
+              </a:ext>
+            </a:extLst>
+          </p:cNvPr>
+          <p:cNvGraphicFramePr>
+            <a:graphicFrameLocks noGrp="1"/>
+          </p:cNvGraphicFramePr>
+          <p:nvPr>
+            <p:ph idx="1"/>
+            <p:extLst>
+              <p:ext uri="{D42A27DB-BD31-4B8C-83A1-F6EECF244321}">
+                <p14:modId xmlns:p14="http://schemas.microsoft.com/office/powerpoint/2010/main" val="4290025773"/>
+              </p:ext>
+            </p:extLst>
+          </p:nvPr>
+        </p:nvGraphicFramePr>
+        <p:xfrm>
+          <a:off x="838200" y="1810933"/>
+          <a:ext cx="10655710" cy="702560"/>
+        </p:xfrm>
+        <a:graphic>
+          <a:graphicData uri="http://schemas.openxmlformats.org/drawingml/2006/table">
+            <a:tbl>
+              <a:tblPr firstRow="1" bandRow="1">
+                <a:tableStyleId>{9D7B26C5-4107-4FEC-AEDC-1716B250A1EF}</a:tableStyleId>
+              </a:tblPr>
+              <a:tblGrid>
+                <a:gridCol w="2567644">
+                  <a:extLst>
+                    <a:ext uri="{9D8B030D-6E8A-4147-A177-3AD203B41FA5}">
+                      <a16:colId xmlns:a16="http://schemas.microsoft.com/office/drawing/2014/main" val="3144667003"/>
+                    </a:ext>
+                  </a:extLst>
+                </a:gridCol>
+                <a:gridCol w="8088066">
+                  <a:extLst>
+                    <a:ext uri="{9D8B030D-6E8A-4147-A177-3AD203B41FA5}">
+                      <a16:colId xmlns:a16="http://schemas.microsoft.com/office/drawing/2014/main" val="255719460"/>
+                    </a:ext>
+                  </a:extLst>
+                </a:gridCol>
+              </a:tblGrid>
+              <a:tr h="346857">
+                <a:tc>
+                  <a:txBody>
+                    <a:bodyPr/>
+                    <a:lstStyle/>
+                    <a:p>
+                      <a:pPr algn="l" fontAlgn="t"/>
+                      <a:r>
+                        <a:rPr lang="en-US" sz="1600" dirty="0">
+                          <a:effectLst/>
+                        </a:rPr>
+                        <a:t>Data Type</a:t>
+                      </a:r>
+                    </a:p>
+                  </a:txBody>
+                  <a:tcPr marL="107440" marR="53720" marT="53720" marB="53720"/>
+                </a:tc>
+                <a:tc>
+                  <a:txBody>
+                    <a:bodyPr/>
+                    <a:lstStyle/>
+                    <a:p>
+                      <a:pPr algn="l" fontAlgn="t"/>
+                      <a:r>
+                        <a:rPr lang="en-US" sz="1600" dirty="0">
+                          <a:effectLst/>
+                        </a:rPr>
+                        <a:t>Description</a:t>
+                      </a:r>
+                    </a:p>
+                  </a:txBody>
+                  <a:tcPr marL="53720" marR="53720" marT="53720" marB="53720"/>
+                </a:tc>
+                <a:extLst>
+                  <a:ext uri="{0D108BD9-81ED-4DB2-BD59-A6C34878D82A}">
+                    <a16:rowId xmlns:a16="http://schemas.microsoft.com/office/drawing/2014/main" val="537551988"/>
+                  </a:ext>
+                </a:extLst>
+              </a:tr>
+              <a:tr h="346857">
+                <a:tc>
+                  <a:txBody>
+                    <a:bodyPr/>
+                    <a:lstStyle/>
+                    <a:p>
+                      <a:pPr algn="l" fontAlgn="t"/>
+                      <a:r>
+                        <a:rPr lang="en-US" sz="1600" dirty="0">
+                          <a:effectLst/>
+                        </a:rPr>
+                        <a:t>String</a:t>
+                      </a:r>
+                    </a:p>
+                  </a:txBody>
+                  <a:tcPr marL="107440" marR="53720" marT="53720" marB="53720"/>
+                </a:tc>
+                <a:tc>
+                  <a:txBody>
+                    <a:bodyPr/>
+                    <a:lstStyle/>
+                    <a:p>
+                      <a:pPr algn="l" fontAlgn="t"/>
+                      <a:r>
+                        <a:rPr lang="en-US" sz="1600" dirty="0">
+                          <a:effectLst/>
+                        </a:rPr>
+                        <a:t>Stores text in double quotation marks “”</a:t>
+                      </a:r>
+                    </a:p>
+                  </a:txBody>
+                  <a:tcPr marL="53720" marR="53720" marT="53720" marB="53720"/>
+                </a:tc>
+                <a:extLst>
+                  <a:ext uri="{0D108BD9-81ED-4DB2-BD59-A6C34878D82A}">
+                    <a16:rowId xmlns:a16="http://schemas.microsoft.com/office/drawing/2014/main" val="69573706"/>
+                  </a:ext>
+                </a:extLst>
+              </a:tr>
+            </a:tbl>
+          </a:graphicData>
+        </a:graphic>
+      </p:graphicFrame>
+    </p:spTree>
+    <p:extLst>
+      <p:ext uri="{BB962C8B-B14F-4D97-AF65-F5344CB8AC3E}">
+        <p14:creationId xmlns:p14="http://schemas.microsoft.com/office/powerpoint/2010/main" val="1620366330"/>
+      </p:ext>
+    </p:extLst>
+  </p:cSld>
+  <p:clrMapOvr>
+    <a:masterClrMapping/>
+  </p:clrMapOvr>
+</p:sld>
+</file>
+
+<file path=ppt/slides/slide11.xml><?xml version="1.0" encoding="utf-8"?>
+<p:sld xmlns:a="http://schemas.openxmlformats.org/drawingml/2006/main" xmlns:r="http://schemas.openxmlformats.org/officeDocument/2006/relationships" xmlns:p="http://schemas.openxmlformats.org/presentationml/2006/main">
+  <p:cSld>
+    <p:spTree>
+      <p:nvGrpSpPr>
+        <p:cNvPr id="1" name=""/>
+        <p:cNvGrpSpPr/>
+        <p:nvPr/>
+      </p:nvGrpSpPr>
+      <p:grpSpPr>
+        <a:xfrm>
+          <a:off x="0" y="0"/>
+          <a:ext cx="0" cy="0"/>
+          <a:chOff x="0" y="0"/>
+          <a:chExt cx="0" cy="0"/>
+        </a:xfrm>
+      </p:grpSpPr>
+      <p:sp>
+        <p:nvSpPr>
+          <p:cNvPr id="2" name="Titel 1">
+            <a:extLst>
+              <a:ext uri="{FF2B5EF4-FFF2-40B4-BE49-F238E27FC236}">
+                <a16:creationId xmlns:a16="http://schemas.microsoft.com/office/drawing/2014/main" id="{EC24F5FF-0378-7CDB-FEDD-D8A60F3DA737}"/>
+              </a:ext>
+            </a:extLst>
+          </p:cNvPr>
+          <p:cNvSpPr>
+            <a:spLocks noGrp="1"/>
+          </p:cNvSpPr>
+          <p:nvPr>
+            <p:ph type="title"/>
+          </p:nvPr>
+        </p:nvSpPr>
+        <p:spPr/>
+        <p:txBody>
+          <a:bodyPr/>
+          <a:lstStyle/>
+          <a:p>
+            <a:r>
+              <a:rPr lang="en-US" dirty="0"/>
+              <a:t>Variables </a:t>
+            </a:r>
+            <a:endParaRPr lang="en-DK" dirty="0"/>
+          </a:p>
+        </p:txBody>
+      </p:sp>
+      <p:sp>
+        <p:nvSpPr>
+          <p:cNvPr id="3" name="Pladsholder til indhold 2">
+            <a:extLst>
+              <a:ext uri="{FF2B5EF4-FFF2-40B4-BE49-F238E27FC236}">
+                <a16:creationId xmlns:a16="http://schemas.microsoft.com/office/drawing/2014/main" id="{BB15B99A-499C-BBDD-6F0D-66B6E8F9A090}"/>
+              </a:ext>
+            </a:extLst>
+          </p:cNvPr>
+          <p:cNvSpPr>
+            <a:spLocks noGrp="1"/>
+          </p:cNvSpPr>
+          <p:nvPr>
+            <p:ph idx="1"/>
+          </p:nvPr>
+        </p:nvSpPr>
+        <p:spPr>
+          <a:xfrm>
+            <a:off x="838200" y="1825625"/>
+            <a:ext cx="10515600" cy="671769"/>
+          </a:xfrm>
+        </p:spPr>
+        <p:txBody>
+          <a:bodyPr/>
+          <a:lstStyle/>
+          <a:p>
+            <a:pPr marL="0" indent="0">
+              <a:buNone/>
+            </a:pPr>
+            <a:r>
+              <a:rPr lang="en-US" dirty="0"/>
+              <a:t>A variable is a container used to store values of a specific datatype. </a:t>
+            </a:r>
+          </a:p>
+          <a:p>
+            <a:pPr marL="0" indent="0">
+              <a:buNone/>
+            </a:pPr>
+            <a:endParaRPr lang="en-DK" dirty="0"/>
+          </a:p>
+        </p:txBody>
+      </p:sp>
+      <p:sp>
+        <p:nvSpPr>
+          <p:cNvPr id="7" name="Tekstfelt 6">
+            <a:extLst>
+              <a:ext uri="{FF2B5EF4-FFF2-40B4-BE49-F238E27FC236}">
+                <a16:creationId xmlns:a16="http://schemas.microsoft.com/office/drawing/2014/main" id="{4B95AD9D-5973-861F-38E6-EF16A1BDC431}"/>
+              </a:ext>
+            </a:extLst>
+          </p:cNvPr>
+          <p:cNvSpPr txBox="1"/>
+          <p:nvPr/>
+        </p:nvSpPr>
+        <p:spPr>
+          <a:xfrm>
+            <a:off x="3338050" y="5817736"/>
+            <a:ext cx="2497393" cy="523220"/>
+          </a:xfrm>
+          <a:prstGeom prst="rect">
+            <a:avLst/>
+          </a:prstGeom>
+          <a:noFill/>
+        </p:spPr>
+        <p:txBody>
+          <a:bodyPr wrap="square" rtlCol="0">
+            <a:spAutoFit/>
+          </a:bodyPr>
+          <a:lstStyle/>
+          <a:p>
+            <a:r>
+              <a:rPr lang="en-US" sz="2800" dirty="0"/>
+              <a:t>Variable name </a:t>
+            </a:r>
+            <a:endParaRPr lang="en-DK" sz="2800" dirty="0"/>
+          </a:p>
+        </p:txBody>
+      </p:sp>
+      <p:sp>
+        <p:nvSpPr>
+          <p:cNvPr id="10" name="Tekstfelt 9">
+            <a:extLst>
+              <a:ext uri="{FF2B5EF4-FFF2-40B4-BE49-F238E27FC236}">
+                <a16:creationId xmlns:a16="http://schemas.microsoft.com/office/drawing/2014/main" id="{5E56B392-8E4E-1A86-5991-B766EE63E023}"/>
+              </a:ext>
+            </a:extLst>
+          </p:cNvPr>
+          <p:cNvSpPr txBox="1"/>
+          <p:nvPr/>
+        </p:nvSpPr>
+        <p:spPr>
+          <a:xfrm>
+            <a:off x="2974256" y="2841978"/>
+            <a:ext cx="1612491" cy="523220"/>
+          </a:xfrm>
+          <a:prstGeom prst="rect">
+            <a:avLst/>
+          </a:prstGeom>
+          <a:noFill/>
+        </p:spPr>
+        <p:txBody>
+          <a:bodyPr wrap="square" rtlCol="0">
+            <a:spAutoFit/>
+          </a:bodyPr>
+          <a:lstStyle/>
+          <a:p>
+            <a:r>
+              <a:rPr lang="en-US" sz="2800" dirty="0"/>
+              <a:t>Datatype</a:t>
+            </a:r>
+            <a:endParaRPr lang="en-DK" sz="2800" dirty="0"/>
+          </a:p>
+        </p:txBody>
+      </p:sp>
+      <p:sp>
+        <p:nvSpPr>
+          <p:cNvPr id="19" name="Tekstfelt 18">
+            <a:extLst>
+              <a:ext uri="{FF2B5EF4-FFF2-40B4-BE49-F238E27FC236}">
+                <a16:creationId xmlns:a16="http://schemas.microsoft.com/office/drawing/2014/main" id="{3DEE9EA0-D26A-D8E7-0E70-A99717B42980}"/>
+              </a:ext>
+            </a:extLst>
+          </p:cNvPr>
+          <p:cNvSpPr txBox="1"/>
+          <p:nvPr/>
+        </p:nvSpPr>
+        <p:spPr>
+          <a:xfrm>
+            <a:off x="5614222" y="2669687"/>
+            <a:ext cx="1868126" cy="523220"/>
+          </a:xfrm>
+          <a:prstGeom prst="rect">
+            <a:avLst/>
+          </a:prstGeom>
+          <a:noFill/>
+        </p:spPr>
+        <p:txBody>
+          <a:bodyPr wrap="square" rtlCol="0">
+            <a:spAutoFit/>
+          </a:bodyPr>
+          <a:lstStyle/>
+          <a:p>
+            <a:r>
+              <a:rPr lang="en-US" sz="2800" dirty="0"/>
+              <a:t>Sets value </a:t>
+            </a:r>
+            <a:endParaRPr lang="en-DK" sz="2800" dirty="0"/>
+          </a:p>
+        </p:txBody>
+      </p:sp>
+      <p:sp>
+        <p:nvSpPr>
+          <p:cNvPr id="27" name="Tekstfelt 26">
+            <a:extLst>
+              <a:ext uri="{FF2B5EF4-FFF2-40B4-BE49-F238E27FC236}">
+                <a16:creationId xmlns:a16="http://schemas.microsoft.com/office/drawing/2014/main" id="{060BBDFC-E543-F012-91C0-E1FF84C540F8}"/>
+              </a:ext>
+            </a:extLst>
+          </p:cNvPr>
+          <p:cNvSpPr txBox="1"/>
+          <p:nvPr/>
+        </p:nvSpPr>
+        <p:spPr>
+          <a:xfrm>
+            <a:off x="6548285" y="5809859"/>
+            <a:ext cx="2497393" cy="523220"/>
+          </a:xfrm>
+          <a:prstGeom prst="rect">
+            <a:avLst/>
+          </a:prstGeom>
+          <a:noFill/>
+        </p:spPr>
+        <p:txBody>
+          <a:bodyPr wrap="square" rtlCol="0">
+            <a:spAutoFit/>
+          </a:bodyPr>
+          <a:lstStyle/>
+          <a:p>
+            <a:r>
+              <a:rPr lang="en-US" sz="2800" dirty="0"/>
+              <a:t>Value</a:t>
+            </a:r>
+            <a:endParaRPr lang="en-DK" sz="2800" dirty="0"/>
+          </a:p>
+        </p:txBody>
+      </p:sp>
+      <p:sp>
+        <p:nvSpPr>
+          <p:cNvPr id="28" name="Rectangle 1">
+            <a:extLst>
+              <a:ext uri="{FF2B5EF4-FFF2-40B4-BE49-F238E27FC236}">
+                <a16:creationId xmlns:a16="http://schemas.microsoft.com/office/drawing/2014/main" id="{38C2329F-DDFB-932D-7664-91D950004684}"/>
+              </a:ext>
+            </a:extLst>
+          </p:cNvPr>
+          <p:cNvSpPr>
+            <a:spLocks noChangeArrowheads="1"/>
+          </p:cNvSpPr>
+          <p:nvPr/>
+        </p:nvSpPr>
+        <p:spPr bwMode="auto">
+          <a:xfrm>
+            <a:off x="4267090" y="3853862"/>
+            <a:ext cx="2694264" cy="1015663"/>
+          </a:xfrm>
+          <a:prstGeom prst="rect">
+            <a:avLst/>
+          </a:prstGeom>
+          <a:solidFill>
+            <a:srgbClr val="FFFFFF"/>
+          </a:solidFill>
+          <a:ln>
+            <a:noFill/>
+          </a:ln>
+          <a:effectLst/>
+          <a:extLst>
+            <a:ext uri="{91240B29-F687-4F45-9708-019B960494DF}">
+              <a14:hiddenLine xmlns:a14="http://schemas.microsoft.com/office/drawing/2010/main" w="9525">
+                <a:solidFill>
+                  <a:schemeClr val="tx1"/>
+                </a:solidFill>
+                <a:miter lim="800000"/>
+                <a:headEnd/>
+                <a:tailEnd/>
+              </a14:hiddenLine>
+            </a:ext>
+            <a:ext uri="{AF507438-7753-43E0-B8FC-AC1667EBCBE1}">
+              <a14:hiddenEffects xmlns:a14="http://schemas.microsoft.com/office/drawing/2010/main">
+                <a:effectLst>
+                  <a:outerShdw dist="35921" dir="2700000" algn="ctr" rotWithShape="0">
+                    <a:schemeClr val="bg2"/>
+                  </a:outerShdw>
+                </a:effectLst>
+              </a14:hiddenEffects>
+            </a:ext>
+          </a:extLst>
+        </p:spPr>
+        <p:txBody>
+          <a:bodyPr vert="horz" wrap="none" lIns="91440" tIns="45720" rIns="91440" bIns="45720" numCol="1" anchor="ctr" anchorCtr="0" compatLnSpc="1">
+            <a:prstTxWarp prst="textNoShape">
+              <a:avLst/>
+            </a:prstTxWarp>
+            <a:spAutoFit/>
+          </a:bodyPr>
+          <a:lstStyle/>
+          <a:p>
+            <a:pPr marL="0" marR="0" lvl="0" indent="0" algn="ctr" defTabSz="914400" rtl="0" eaLnBrk="0" fontAlgn="base" latinLnBrk="0" hangingPunct="0">
+              <a:lnSpc>
+                <a:spcPct val="100000"/>
+              </a:lnSpc>
+              <a:spcBef>
+                <a:spcPct val="0"/>
+              </a:spcBef>
+              <a:spcAft>
+                <a:spcPct val="0"/>
+              </a:spcAft>
+              <a:buClrTx/>
+              <a:buSzTx/>
+              <a:buFontTx/>
+              <a:buNone/>
+              <a:tabLst/>
+            </a:pPr>
+            <a:r>
+              <a:rPr kumimoji="0" lang="en-DK" altLang="en-DK" sz="6000" b="0" i="0" u="none" strike="noStrike" cap="none" normalizeH="0" baseline="0" dirty="0">
+                <a:ln>
+                  <a:noFill/>
+                </a:ln>
+                <a:solidFill>
+                  <a:srgbClr val="0033B3"/>
+                </a:solidFill>
+                <a:effectLst/>
+                <a:latin typeface="JetBrains Mono"/>
+              </a:rPr>
+              <a:t>int </a:t>
+            </a:r>
+            <a:r>
+              <a:rPr kumimoji="0" lang="en-DK" altLang="en-DK" sz="6000" b="0" i="0" u="none" strike="noStrike" cap="none" normalizeH="0" baseline="0" dirty="0" err="1">
+                <a:ln>
+                  <a:noFill/>
+                </a:ln>
+                <a:solidFill>
+                  <a:srgbClr val="000000"/>
+                </a:solidFill>
+                <a:effectLst/>
+                <a:latin typeface="JetBrains Mono"/>
+              </a:rPr>
+              <a:t>i</a:t>
+            </a:r>
+            <a:r>
+              <a:rPr kumimoji="0" lang="en-DK" altLang="en-DK" sz="6000" b="0" i="0" u="none" strike="noStrike" cap="none" normalizeH="0" baseline="0" dirty="0">
+                <a:ln>
+                  <a:noFill/>
+                </a:ln>
+                <a:solidFill>
+                  <a:srgbClr val="000000"/>
+                </a:solidFill>
+                <a:effectLst/>
+                <a:latin typeface="JetBrains Mono"/>
+              </a:rPr>
+              <a:t> </a:t>
+            </a:r>
+            <a:r>
+              <a:rPr kumimoji="0" lang="en-DK" altLang="en-DK" sz="6000" b="0" i="0" u="none" strike="noStrike" cap="none" normalizeH="0" baseline="0" dirty="0">
+                <a:ln>
+                  <a:noFill/>
+                </a:ln>
+                <a:solidFill>
+                  <a:srgbClr val="080808"/>
+                </a:solidFill>
+                <a:effectLst/>
+                <a:latin typeface="JetBrains Mono"/>
+              </a:rPr>
+              <a:t>= </a:t>
+            </a:r>
+            <a:r>
+              <a:rPr kumimoji="0" lang="en-DK" altLang="en-DK" sz="6000" b="0" i="0" u="none" strike="noStrike" cap="none" normalizeH="0" baseline="0" dirty="0">
+                <a:ln>
+                  <a:noFill/>
+                </a:ln>
+                <a:solidFill>
+                  <a:srgbClr val="1750EB"/>
+                </a:solidFill>
+                <a:effectLst/>
+                <a:latin typeface="JetBrains Mono"/>
+              </a:rPr>
+              <a:t>5</a:t>
+            </a:r>
+            <a:r>
+              <a:rPr kumimoji="0" lang="en-DK" altLang="en-DK" sz="6000" b="0" i="0" u="none" strike="noStrike" cap="none" normalizeH="0" baseline="0" dirty="0">
+                <a:ln>
+                  <a:noFill/>
+                </a:ln>
+                <a:solidFill>
+                  <a:srgbClr val="080808"/>
+                </a:solidFill>
+                <a:effectLst/>
+                <a:latin typeface="JetBrains Mono"/>
+              </a:rPr>
+              <a:t>;</a:t>
+            </a:r>
+            <a:endParaRPr kumimoji="0" lang="en-DK" altLang="en-DK" sz="6000" b="0" i="0" u="none" strike="noStrike" cap="none" normalizeH="0" baseline="0" dirty="0">
+              <a:ln>
+                <a:noFill/>
+              </a:ln>
+              <a:solidFill>
+                <a:schemeClr val="tx1"/>
+              </a:solidFill>
+              <a:effectLst/>
+              <a:latin typeface="Arial" panose="020B0604020202020204" pitchFamily="34" charset="0"/>
+            </a:endParaRPr>
+          </a:p>
+        </p:txBody>
+      </p:sp>
+      <p:cxnSp>
+        <p:nvCxnSpPr>
+          <p:cNvPr id="30" name="Lige pilforbindelse 29">
+            <a:extLst>
+              <a:ext uri="{FF2B5EF4-FFF2-40B4-BE49-F238E27FC236}">
+                <a16:creationId xmlns:a16="http://schemas.microsoft.com/office/drawing/2014/main" id="{16433B6E-F918-C3D3-1BDD-896B549BBA51}"/>
+              </a:ext>
+            </a:extLst>
+          </p:cNvPr>
+          <p:cNvCxnSpPr>
+            <a:stCxn id="10" idx="2"/>
+          </p:cNvCxnSpPr>
+          <p:nvPr/>
+        </p:nvCxnSpPr>
+        <p:spPr>
+          <a:xfrm>
+            <a:off x="3780502" y="3365198"/>
+            <a:ext cx="938982" cy="725021"/>
+          </a:xfrm>
+          <a:prstGeom prst="straightConnector1">
+            <a:avLst/>
+          </a:prstGeom>
+          <a:ln>
+            <a:tailEnd type="triangle"/>
+          </a:ln>
+        </p:spPr>
+        <p:style>
+          <a:lnRef idx="1">
+            <a:schemeClr val="accent1"/>
+          </a:lnRef>
+          <a:fillRef idx="0">
+            <a:schemeClr val="accent1"/>
+          </a:fillRef>
+          <a:effectRef idx="0">
+            <a:schemeClr val="accent1"/>
+          </a:effectRef>
+          <a:fontRef idx="minor">
+            <a:schemeClr val="tx1"/>
+          </a:fontRef>
+        </p:style>
+      </p:cxnSp>
+      <p:cxnSp>
+        <p:nvCxnSpPr>
+          <p:cNvPr id="32" name="Lige pilforbindelse 31">
+            <a:extLst>
+              <a:ext uri="{FF2B5EF4-FFF2-40B4-BE49-F238E27FC236}">
+                <a16:creationId xmlns:a16="http://schemas.microsoft.com/office/drawing/2014/main" id="{3F1F024A-5575-9552-AD8A-E19E5ADF4CD1}"/>
+              </a:ext>
+            </a:extLst>
+          </p:cNvPr>
+          <p:cNvCxnSpPr/>
+          <p:nvPr/>
+        </p:nvCxnSpPr>
+        <p:spPr>
+          <a:xfrm flipV="1">
+            <a:off x="4375355" y="4758813"/>
+            <a:ext cx="1012722" cy="1179871"/>
+          </a:xfrm>
+          <a:prstGeom prst="straightConnector1">
+            <a:avLst/>
+          </a:prstGeom>
+          <a:ln>
+            <a:tailEnd type="triangle"/>
+          </a:ln>
+        </p:spPr>
+        <p:style>
+          <a:lnRef idx="1">
+            <a:schemeClr val="accent1"/>
+          </a:lnRef>
+          <a:fillRef idx="0">
+            <a:schemeClr val="accent1"/>
+          </a:fillRef>
+          <a:effectRef idx="0">
+            <a:schemeClr val="accent1"/>
+          </a:effectRef>
+          <a:fontRef idx="minor">
+            <a:schemeClr val="tx1"/>
+          </a:fontRef>
+        </p:style>
+      </p:cxnSp>
+      <p:cxnSp>
+        <p:nvCxnSpPr>
+          <p:cNvPr id="34" name="Lige pilforbindelse 33">
+            <a:extLst>
+              <a:ext uri="{FF2B5EF4-FFF2-40B4-BE49-F238E27FC236}">
+                <a16:creationId xmlns:a16="http://schemas.microsoft.com/office/drawing/2014/main" id="{784A299C-5865-4EEF-46EE-7F6BDE5BAAA0}"/>
+              </a:ext>
+            </a:extLst>
+          </p:cNvPr>
+          <p:cNvCxnSpPr/>
+          <p:nvPr/>
+        </p:nvCxnSpPr>
+        <p:spPr>
+          <a:xfrm flipH="1">
+            <a:off x="5919019" y="3103588"/>
+            <a:ext cx="511278" cy="1039638"/>
+          </a:xfrm>
+          <a:prstGeom prst="straightConnector1">
+            <a:avLst/>
+          </a:prstGeom>
+          <a:ln>
+            <a:tailEnd type="triangle"/>
+          </a:ln>
+        </p:spPr>
+        <p:style>
+          <a:lnRef idx="1">
+            <a:schemeClr val="accent1"/>
+          </a:lnRef>
+          <a:fillRef idx="0">
+            <a:schemeClr val="accent1"/>
+          </a:fillRef>
+          <a:effectRef idx="0">
+            <a:schemeClr val="accent1"/>
+          </a:effectRef>
+          <a:fontRef idx="minor">
+            <a:schemeClr val="tx1"/>
+          </a:fontRef>
+        </p:style>
+      </p:cxnSp>
+      <p:cxnSp>
+        <p:nvCxnSpPr>
+          <p:cNvPr id="36" name="Lige pilforbindelse 35">
+            <a:extLst>
+              <a:ext uri="{FF2B5EF4-FFF2-40B4-BE49-F238E27FC236}">
+                <a16:creationId xmlns:a16="http://schemas.microsoft.com/office/drawing/2014/main" id="{AD12283F-8311-C9AA-D61B-848B2677BBA0}"/>
+              </a:ext>
+            </a:extLst>
+          </p:cNvPr>
+          <p:cNvCxnSpPr/>
+          <p:nvPr/>
+        </p:nvCxnSpPr>
+        <p:spPr>
+          <a:xfrm flipH="1" flipV="1">
+            <a:off x="6449961" y="4819873"/>
+            <a:ext cx="511393" cy="997863"/>
+          </a:xfrm>
+          <a:prstGeom prst="straightConnector1">
+            <a:avLst/>
+          </a:prstGeom>
+          <a:ln>
+            <a:tailEnd type="triangle"/>
+          </a:ln>
+        </p:spPr>
+        <p:style>
+          <a:lnRef idx="1">
+            <a:schemeClr val="accent1"/>
+          </a:lnRef>
+          <a:fillRef idx="0">
+            <a:schemeClr val="accent1"/>
+          </a:fillRef>
+          <a:effectRef idx="0">
+            <a:schemeClr val="accent1"/>
+          </a:effectRef>
+          <a:fontRef idx="minor">
+            <a:schemeClr val="tx1"/>
+          </a:fontRef>
+        </p:style>
+      </p:cxnSp>
+      <p:sp>
+        <p:nvSpPr>
+          <p:cNvPr id="37" name="Tekstfelt 36">
+            <a:extLst>
+              <a:ext uri="{FF2B5EF4-FFF2-40B4-BE49-F238E27FC236}">
+                <a16:creationId xmlns:a16="http://schemas.microsoft.com/office/drawing/2014/main" id="{C0DCD507-374E-4389-BC92-8812AE3A19BB}"/>
+              </a:ext>
+            </a:extLst>
+          </p:cNvPr>
+          <p:cNvSpPr txBox="1"/>
+          <p:nvPr/>
+        </p:nvSpPr>
+        <p:spPr>
+          <a:xfrm>
+            <a:off x="8111614" y="3536997"/>
+            <a:ext cx="2615379" cy="523220"/>
+          </a:xfrm>
+          <a:prstGeom prst="rect">
+            <a:avLst/>
+          </a:prstGeom>
+          <a:noFill/>
+        </p:spPr>
+        <p:txBody>
+          <a:bodyPr wrap="square" rtlCol="0">
+            <a:spAutoFit/>
+          </a:bodyPr>
+          <a:lstStyle/>
+          <a:p>
+            <a:r>
+              <a:rPr lang="en-US" sz="2800" dirty="0"/>
+              <a:t>Ends statement</a:t>
+            </a:r>
+          </a:p>
+        </p:txBody>
+      </p:sp>
+      <p:cxnSp>
+        <p:nvCxnSpPr>
+          <p:cNvPr id="39" name="Lige pilforbindelse 38">
+            <a:extLst>
+              <a:ext uri="{FF2B5EF4-FFF2-40B4-BE49-F238E27FC236}">
+                <a16:creationId xmlns:a16="http://schemas.microsoft.com/office/drawing/2014/main" id="{25055700-80EA-8AEB-6F8F-79F0A58F7E2E}"/>
+              </a:ext>
+            </a:extLst>
+          </p:cNvPr>
+          <p:cNvCxnSpPr>
+            <a:stCxn id="37" idx="1"/>
+            <a:endCxn id="28" idx="3"/>
+          </p:cNvCxnSpPr>
+          <p:nvPr/>
+        </p:nvCxnSpPr>
+        <p:spPr>
+          <a:xfrm flipH="1">
+            <a:off x="6961354" y="3798607"/>
+            <a:ext cx="1150260" cy="563087"/>
+          </a:xfrm>
+          <a:prstGeom prst="straightConnector1">
+            <a:avLst/>
+          </a:prstGeom>
+          <a:ln>
+            <a:tailEnd type="triangle"/>
+          </a:ln>
+        </p:spPr>
+        <p:style>
+          <a:lnRef idx="1">
+            <a:schemeClr val="accent1"/>
+          </a:lnRef>
+          <a:fillRef idx="0">
+            <a:schemeClr val="accent1"/>
+          </a:fillRef>
+          <a:effectRef idx="0">
+            <a:schemeClr val="accent1"/>
+          </a:effectRef>
+          <a:fontRef idx="minor">
+            <a:schemeClr val="tx1"/>
+          </a:fontRef>
+        </p:style>
+      </p:cxnSp>
+    </p:spTree>
+    <p:extLst>
+      <p:ext uri="{BB962C8B-B14F-4D97-AF65-F5344CB8AC3E}">
+        <p14:creationId xmlns:p14="http://schemas.microsoft.com/office/powerpoint/2010/main" val="3052693648"/>
+      </p:ext>
+    </p:extLst>
+  </p:cSld>
+  <p:clrMapOvr>
+    <a:masterClrMapping/>
+  </p:clrMapOvr>
+</p:sld>
+</file>
+
+<file path=ppt/slides/slide12.xml><?xml version="1.0" encoding="utf-8"?>
+<p:sld xmlns:a="http://schemas.openxmlformats.org/drawingml/2006/main" xmlns:r="http://schemas.openxmlformats.org/officeDocument/2006/relationships" xmlns:p="http://schemas.openxmlformats.org/presentationml/2006/main">
+  <p:cSld>
+    <p:spTree>
+      <p:nvGrpSpPr>
+        <p:cNvPr id="1" name=""/>
+        <p:cNvGrpSpPr/>
+        <p:nvPr/>
+      </p:nvGrpSpPr>
+      <p:grpSpPr>
+        <a:xfrm>
+          <a:off x="0" y="0"/>
+          <a:ext cx="0" cy="0"/>
+          <a:chOff x="0" y="0"/>
+          <a:chExt cx="0" cy="0"/>
+        </a:xfrm>
+      </p:grpSpPr>
+      <p:sp>
+        <p:nvSpPr>
+          <p:cNvPr id="2" name="Titel 1">
+            <a:extLst>
+              <a:ext uri="{FF2B5EF4-FFF2-40B4-BE49-F238E27FC236}">
                 <a16:creationId xmlns:a16="http://schemas.microsoft.com/office/drawing/2014/main" id="{0C7F7BE6-2FFC-6C7C-5E10-2B6909CBF527}"/>
               </a:ext>
             </a:extLst>
@@ -3687,7 +4530,7 @@
 </p:sld>
 </file>
 
-<file path=ppt/slides/slide11.xml><?xml version="1.0" encoding="utf-8"?>
+<file path=ppt/slides/slide13.xml><?xml version="1.0" encoding="utf-8"?>
 <p:sld xmlns:a="http://schemas.openxmlformats.org/drawingml/2006/main" xmlns:r="http://schemas.openxmlformats.org/officeDocument/2006/relationships" xmlns:p="http://schemas.openxmlformats.org/presentationml/2006/main">
   <p:cSld>
     <p:spTree>
@@ -3759,7 +4602,7 @@
             </a:pPr>
             <a:r>
               <a:rPr lang="en-US" dirty="0"/>
-              <a:t>A variable is declared by a name and datatype, it is instantiated when it when it has a value. </a:t>
+              <a:t>A variable is declared by a name and datatype, it is instantiated when it has a value. </a:t>
             </a:r>
           </a:p>
           <a:p>
@@ -4350,7 +5193,91 @@
 </p:sld>
 </file>
 
-<file path=ppt/slides/slide12.xml><?xml version="1.0" encoding="utf-8"?>
+<file path=ppt/slides/slide14.xml><?xml version="1.0" encoding="utf-8"?>
+<p:sld xmlns:a="http://schemas.openxmlformats.org/drawingml/2006/main" xmlns:r="http://schemas.openxmlformats.org/officeDocument/2006/relationships" xmlns:p="http://schemas.openxmlformats.org/presentationml/2006/main">
+  <p:cSld>
+    <p:spTree>
+      <p:nvGrpSpPr>
+        <p:cNvPr id="1" name=""/>
+        <p:cNvGrpSpPr/>
+        <p:nvPr/>
+      </p:nvGrpSpPr>
+      <p:grpSpPr>
+        <a:xfrm>
+          <a:off x="0" y="0"/>
+          <a:ext cx="0" cy="0"/>
+          <a:chOff x="0" y="0"/>
+          <a:chExt cx="0" cy="0"/>
+        </a:xfrm>
+      </p:grpSpPr>
+      <p:sp>
+        <p:nvSpPr>
+          <p:cNvPr id="2" name="Titel 1">
+            <a:extLst>
+              <a:ext uri="{FF2B5EF4-FFF2-40B4-BE49-F238E27FC236}">
+                <a16:creationId xmlns:a16="http://schemas.microsoft.com/office/drawing/2014/main" id="{651F0D18-0963-2E3E-ECAE-491C4D134BEE}"/>
+              </a:ext>
+            </a:extLst>
+          </p:cNvPr>
+          <p:cNvSpPr>
+            <a:spLocks noGrp="1"/>
+          </p:cNvSpPr>
+          <p:nvPr>
+            <p:ph type="ctrTitle"/>
+          </p:nvPr>
+        </p:nvSpPr>
+        <p:spPr/>
+        <p:txBody>
+          <a:bodyPr/>
+          <a:lstStyle/>
+          <a:p>
+            <a:r>
+              <a:rPr lang="en-US" dirty="0"/>
+              <a:t>Modifiers</a:t>
+            </a:r>
+            <a:endParaRPr lang="en-DK" dirty="0"/>
+          </a:p>
+        </p:txBody>
+      </p:sp>
+      <p:sp>
+        <p:nvSpPr>
+          <p:cNvPr id="3" name="Undertitel 2">
+            <a:extLst>
+              <a:ext uri="{FF2B5EF4-FFF2-40B4-BE49-F238E27FC236}">
+                <a16:creationId xmlns:a16="http://schemas.microsoft.com/office/drawing/2014/main" id="{3FC35D4D-BF3A-D867-62F2-ABCC2E888E72}"/>
+              </a:ext>
+            </a:extLst>
+          </p:cNvPr>
+          <p:cNvSpPr>
+            <a:spLocks noGrp="1"/>
+          </p:cNvSpPr>
+          <p:nvPr>
+            <p:ph type="subTitle" idx="1"/>
+          </p:nvPr>
+        </p:nvSpPr>
+        <p:spPr/>
+        <p:txBody>
+          <a:bodyPr/>
+          <a:lstStyle/>
+          <a:p>
+            <a:endParaRPr lang="en-DK"/>
+          </a:p>
+        </p:txBody>
+      </p:sp>
+    </p:spTree>
+    <p:extLst>
+      <p:ext uri="{BB962C8B-B14F-4D97-AF65-F5344CB8AC3E}">
+        <p14:creationId xmlns:p14="http://schemas.microsoft.com/office/powerpoint/2010/main" val="4010614579"/>
+      </p:ext>
+    </p:extLst>
+  </p:cSld>
+  <p:clrMapOvr>
+    <a:masterClrMapping/>
+  </p:clrMapOvr>
+</p:sld>
+</file>
+
+<file path=ppt/slides/slide15.xml><?xml version="1.0" encoding="utf-8"?>
 <p:sld xmlns:a="http://schemas.openxmlformats.org/drawingml/2006/main" xmlns:r="http://schemas.openxmlformats.org/officeDocument/2006/relationships" xmlns:p="http://schemas.openxmlformats.org/presentationml/2006/main">
   <p:cSld>
     <p:spTree>
@@ -4653,7 +5580,7 @@
 </p:sld>
 </file>
 
-<file path=ppt/slides/slide13.xml><?xml version="1.0" encoding="utf-8"?>
+<file path=ppt/slides/slide16.xml><?xml version="1.0" encoding="utf-8"?>
 <p:sld xmlns:a="http://schemas.openxmlformats.org/drawingml/2006/main" xmlns:r="http://schemas.openxmlformats.org/officeDocument/2006/relationships" xmlns:p="http://schemas.openxmlformats.org/presentationml/2006/main">
   <p:cSld>
     <p:spTree>
@@ -4875,7 +5802,7 @@
 </p:sld>
 </file>
 
-<file path=ppt/slides/slide14.xml><?xml version="1.0" encoding="utf-8"?>
+<file path=ppt/slides/slide17.xml><?xml version="1.0" encoding="utf-8"?>
 <p:sld xmlns:a="http://schemas.openxmlformats.org/drawingml/2006/main" xmlns:r="http://schemas.openxmlformats.org/officeDocument/2006/relationships" xmlns:p="http://schemas.openxmlformats.org/presentationml/2006/main">
   <p:cSld>
     <p:spTree>
@@ -5241,7 +6168,91 @@
 </p:sld>
 </file>
 
-<file path=ppt/slides/slide15.xml><?xml version="1.0" encoding="utf-8"?>
+<file path=ppt/slides/slide18.xml><?xml version="1.0" encoding="utf-8"?>
+<p:sld xmlns:a="http://schemas.openxmlformats.org/drawingml/2006/main" xmlns:r="http://schemas.openxmlformats.org/officeDocument/2006/relationships" xmlns:p="http://schemas.openxmlformats.org/presentationml/2006/main">
+  <p:cSld>
+    <p:spTree>
+      <p:nvGrpSpPr>
+        <p:cNvPr id="1" name=""/>
+        <p:cNvGrpSpPr/>
+        <p:nvPr/>
+      </p:nvGrpSpPr>
+      <p:grpSpPr>
+        <a:xfrm>
+          <a:off x="0" y="0"/>
+          <a:ext cx="0" cy="0"/>
+          <a:chOff x="0" y="0"/>
+          <a:chExt cx="0" cy="0"/>
+        </a:xfrm>
+      </p:grpSpPr>
+      <p:sp>
+        <p:nvSpPr>
+          <p:cNvPr id="2" name="Titel 1">
+            <a:extLst>
+              <a:ext uri="{FF2B5EF4-FFF2-40B4-BE49-F238E27FC236}">
+                <a16:creationId xmlns:a16="http://schemas.microsoft.com/office/drawing/2014/main" id="{DCADA193-14F3-ED8D-06E1-D40D667C0B8D}"/>
+              </a:ext>
+            </a:extLst>
+          </p:cNvPr>
+          <p:cNvSpPr>
+            <a:spLocks noGrp="1"/>
+          </p:cNvSpPr>
+          <p:nvPr>
+            <p:ph type="ctrTitle"/>
+          </p:nvPr>
+        </p:nvSpPr>
+        <p:spPr/>
+        <p:txBody>
+          <a:bodyPr/>
+          <a:lstStyle/>
+          <a:p>
+            <a:r>
+              <a:rPr lang="en-US" dirty="0"/>
+              <a:t>Classes</a:t>
+            </a:r>
+            <a:endParaRPr lang="en-DK" dirty="0"/>
+          </a:p>
+        </p:txBody>
+      </p:sp>
+      <p:sp>
+        <p:nvSpPr>
+          <p:cNvPr id="3" name="Undertitel 2">
+            <a:extLst>
+              <a:ext uri="{FF2B5EF4-FFF2-40B4-BE49-F238E27FC236}">
+                <a16:creationId xmlns:a16="http://schemas.microsoft.com/office/drawing/2014/main" id="{1E2FFE38-EB00-2C87-1C5E-ED3540663F66}"/>
+              </a:ext>
+            </a:extLst>
+          </p:cNvPr>
+          <p:cNvSpPr>
+            <a:spLocks noGrp="1"/>
+          </p:cNvSpPr>
+          <p:nvPr>
+            <p:ph type="subTitle" idx="1"/>
+          </p:nvPr>
+        </p:nvSpPr>
+        <p:spPr/>
+        <p:txBody>
+          <a:bodyPr/>
+          <a:lstStyle/>
+          <a:p>
+            <a:endParaRPr lang="en-DK"/>
+          </a:p>
+        </p:txBody>
+      </p:sp>
+    </p:spTree>
+    <p:extLst>
+      <p:ext uri="{BB962C8B-B14F-4D97-AF65-F5344CB8AC3E}">
+        <p14:creationId xmlns:p14="http://schemas.microsoft.com/office/powerpoint/2010/main" val="2461391248"/>
+      </p:ext>
+    </p:extLst>
+  </p:cSld>
+  <p:clrMapOvr>
+    <a:masterClrMapping/>
+  </p:clrMapOvr>
+</p:sld>
+</file>
+
+<file path=ppt/slides/slide19.xml><?xml version="1.0" encoding="utf-8"?>
 <p:sld xmlns:a="http://schemas.openxmlformats.org/drawingml/2006/main" xmlns:r="http://schemas.openxmlformats.org/officeDocument/2006/relationships" xmlns:p="http://schemas.openxmlformats.org/presentationml/2006/main">
   <p:cSld>
     <p:spTree>
@@ -5354,7 +6365,7 @@
             </a:pPr>
             <a:r>
               <a:rPr lang="en-US" dirty="0"/>
-              <a:t>All code has to be written within the class scope </a:t>
+              <a:t>Executable code has to be written in a class</a:t>
             </a:r>
           </a:p>
           <a:p>
@@ -6799,7 +7810,113 @@
 </p:sld>
 </file>
 
-<file path=ppt/slides/slide16.xml><?xml version="1.0" encoding="utf-8"?>
+<file path=ppt/slides/slide2.xml><?xml version="1.0" encoding="utf-8"?>
+<p:sld xmlns:a="http://schemas.openxmlformats.org/drawingml/2006/main" xmlns:r="http://schemas.openxmlformats.org/officeDocument/2006/relationships" xmlns:p="http://schemas.openxmlformats.org/presentationml/2006/main">
+  <p:cSld>
+    <p:spTree>
+      <p:nvGrpSpPr>
+        <p:cNvPr id="1" name=""/>
+        <p:cNvGrpSpPr/>
+        <p:nvPr/>
+      </p:nvGrpSpPr>
+      <p:grpSpPr>
+        <a:xfrm>
+          <a:off x="0" y="0"/>
+          <a:ext cx="0" cy="0"/>
+          <a:chOff x="0" y="0"/>
+          <a:chExt cx="0" cy="0"/>
+        </a:xfrm>
+      </p:grpSpPr>
+      <p:sp>
+        <p:nvSpPr>
+          <p:cNvPr id="2" name="Titel 1">
+            <a:extLst>
+              <a:ext uri="{FF2B5EF4-FFF2-40B4-BE49-F238E27FC236}">
+                <a16:creationId xmlns:a16="http://schemas.microsoft.com/office/drawing/2014/main" id="{4DA183A7-B6B8-C47D-0B7C-CAD38EC38627}"/>
+              </a:ext>
+            </a:extLst>
+          </p:cNvPr>
+          <p:cNvSpPr>
+            <a:spLocks noGrp="1"/>
+          </p:cNvSpPr>
+          <p:nvPr>
+            <p:ph type="title"/>
+          </p:nvPr>
+        </p:nvSpPr>
+        <p:spPr/>
+        <p:txBody>
+          <a:bodyPr/>
+          <a:lstStyle/>
+          <a:p>
+            <a:r>
+              <a:rPr lang="en-US" dirty="0"/>
+              <a:t>What is it?</a:t>
+            </a:r>
+            <a:endParaRPr lang="en-DK" dirty="0"/>
+          </a:p>
+        </p:txBody>
+      </p:sp>
+      <p:sp>
+        <p:nvSpPr>
+          <p:cNvPr id="3" name="Pladsholder til indhold 2">
+            <a:extLst>
+              <a:ext uri="{FF2B5EF4-FFF2-40B4-BE49-F238E27FC236}">
+                <a16:creationId xmlns:a16="http://schemas.microsoft.com/office/drawing/2014/main" id="{2256126C-FA4F-5F75-43EE-1694123CCE3D}"/>
+              </a:ext>
+            </a:extLst>
+          </p:cNvPr>
+          <p:cNvSpPr>
+            <a:spLocks noGrp="1"/>
+          </p:cNvSpPr>
+          <p:nvPr>
+            <p:ph idx="1"/>
+          </p:nvPr>
+        </p:nvSpPr>
+        <p:spPr/>
+        <p:txBody>
+          <a:bodyPr/>
+          <a:lstStyle/>
+          <a:p>
+            <a:pPr marL="0" indent="0">
+              <a:buNone/>
+            </a:pPr>
+            <a:r>
+              <a:rPr lang="en-US" dirty="0"/>
+              <a:t>Java is a general-purpose programming language – meaning it can be used to develop software for most platforms. </a:t>
+            </a:r>
+          </a:p>
+          <a:p>
+            <a:pPr marL="0" indent="0">
+              <a:buNone/>
+            </a:pPr>
+            <a:endParaRPr lang="en-US" dirty="0"/>
+          </a:p>
+          <a:p>
+            <a:pPr marL="0" indent="0">
+              <a:buNone/>
+            </a:pPr>
+            <a:r>
+              <a:rPr lang="en-US" dirty="0"/>
+              <a:t>It is as Object Oriented language allowing code reuse. </a:t>
+            </a:r>
+            <a:endParaRPr lang="en-DK" dirty="0"/>
+          </a:p>
+        </p:txBody>
+      </p:sp>
+    </p:spTree>
+    <p:extLst>
+      <p:ext uri="{BB962C8B-B14F-4D97-AF65-F5344CB8AC3E}">
+        <p14:creationId xmlns:p14="http://schemas.microsoft.com/office/powerpoint/2010/main" val="3784773097"/>
+      </p:ext>
+    </p:extLst>
+  </p:cSld>
+  <p:clrMapOvr>
+    <a:masterClrMapping/>
+  </p:clrMapOvr>
+</p:sld>
+</file>
+
+<file path=ppt/slides/slide20.xml><?xml version="1.0" encoding="utf-8"?>
 <p:sld xmlns:a="http://schemas.openxmlformats.org/drawingml/2006/main" xmlns:r="http://schemas.openxmlformats.org/officeDocument/2006/relationships" xmlns:p="http://schemas.openxmlformats.org/presentationml/2006/main">
   <p:cSld>
     <p:spTree>
@@ -7960,7 +9077,7 @@
 </p:sld>
 </file>
 
-<file path=ppt/slides/slide17.xml><?xml version="1.0" encoding="utf-8"?>
+<file path=ppt/slides/slide21.xml><?xml version="1.0" encoding="utf-8"?>
 <p:sld xmlns:a="http://schemas.openxmlformats.org/drawingml/2006/main" xmlns:r="http://schemas.openxmlformats.org/officeDocument/2006/relationships" xmlns:p="http://schemas.openxmlformats.org/presentationml/2006/main">
   <p:cSld>
     <p:spTree>
@@ -9132,7 +10249,7 @@
 </p:sld>
 </file>
 
-<file path=ppt/slides/slide18.xml><?xml version="1.0" encoding="utf-8"?>
+<file path=ppt/slides/slide22.xml><?xml version="1.0" encoding="utf-8"?>
 <p:sld xmlns:a="http://schemas.openxmlformats.org/drawingml/2006/main" xmlns:r="http://schemas.openxmlformats.org/officeDocument/2006/relationships" xmlns:p="http://schemas.openxmlformats.org/presentationml/2006/main">
   <p:cSld>
     <p:spTree>
@@ -10477,7 +11594,7 @@
 </p:sld>
 </file>
 
-<file path=ppt/slides/slide19.xml><?xml version="1.0" encoding="utf-8"?>
+<file path=ppt/slides/slide23.xml><?xml version="1.0" encoding="utf-8"?>
 <p:sld xmlns:a="http://schemas.openxmlformats.org/drawingml/2006/main" xmlns:r="http://schemas.openxmlformats.org/officeDocument/2006/relationships" xmlns:p="http://schemas.openxmlformats.org/presentationml/2006/main">
   <p:cSld>
     <p:spTree>
@@ -12871,113 +13988,7 @@
 </p:sld>
 </file>
 
-<file path=ppt/slides/slide2.xml><?xml version="1.0" encoding="utf-8"?>
-<p:sld xmlns:a="http://schemas.openxmlformats.org/drawingml/2006/main" xmlns:r="http://schemas.openxmlformats.org/officeDocument/2006/relationships" xmlns:p="http://schemas.openxmlformats.org/presentationml/2006/main">
-  <p:cSld>
-    <p:spTree>
-      <p:nvGrpSpPr>
-        <p:cNvPr id="1" name=""/>
-        <p:cNvGrpSpPr/>
-        <p:nvPr/>
-      </p:nvGrpSpPr>
-      <p:grpSpPr>
-        <a:xfrm>
-          <a:off x="0" y="0"/>
-          <a:ext cx="0" cy="0"/>
-          <a:chOff x="0" y="0"/>
-          <a:chExt cx="0" cy="0"/>
-        </a:xfrm>
-      </p:grpSpPr>
-      <p:sp>
-        <p:nvSpPr>
-          <p:cNvPr id="2" name="Titel 1">
-            <a:extLst>
-              <a:ext uri="{FF2B5EF4-FFF2-40B4-BE49-F238E27FC236}">
-                <a16:creationId xmlns:a16="http://schemas.microsoft.com/office/drawing/2014/main" id="{4DA183A7-B6B8-C47D-0B7C-CAD38EC38627}"/>
-              </a:ext>
-            </a:extLst>
-          </p:cNvPr>
-          <p:cNvSpPr>
-            <a:spLocks noGrp="1"/>
-          </p:cNvSpPr>
-          <p:nvPr>
-            <p:ph type="title"/>
-          </p:nvPr>
-        </p:nvSpPr>
-        <p:spPr/>
-        <p:txBody>
-          <a:bodyPr/>
-          <a:lstStyle/>
-          <a:p>
-            <a:r>
-              <a:rPr lang="en-US" dirty="0"/>
-              <a:t>What is it?</a:t>
-            </a:r>
-            <a:endParaRPr lang="en-DK" dirty="0"/>
-          </a:p>
-        </p:txBody>
-      </p:sp>
-      <p:sp>
-        <p:nvSpPr>
-          <p:cNvPr id="3" name="Pladsholder til indhold 2">
-            <a:extLst>
-              <a:ext uri="{FF2B5EF4-FFF2-40B4-BE49-F238E27FC236}">
-                <a16:creationId xmlns:a16="http://schemas.microsoft.com/office/drawing/2014/main" id="{2256126C-FA4F-5F75-43EE-1694123CCE3D}"/>
-              </a:ext>
-            </a:extLst>
-          </p:cNvPr>
-          <p:cNvSpPr>
-            <a:spLocks noGrp="1"/>
-          </p:cNvSpPr>
-          <p:nvPr>
-            <p:ph idx="1"/>
-          </p:nvPr>
-        </p:nvSpPr>
-        <p:spPr/>
-        <p:txBody>
-          <a:bodyPr/>
-          <a:lstStyle/>
-          <a:p>
-            <a:pPr marL="0" indent="0">
-              <a:buNone/>
-            </a:pPr>
-            <a:r>
-              <a:rPr lang="en-US" dirty="0"/>
-              <a:t>Java is a general-purpose programming language – meaning it can be used to develop software for most platforms. </a:t>
-            </a:r>
-          </a:p>
-          <a:p>
-            <a:pPr marL="0" indent="0">
-              <a:buNone/>
-            </a:pPr>
-            <a:endParaRPr lang="en-US" dirty="0"/>
-          </a:p>
-          <a:p>
-            <a:pPr marL="0" indent="0">
-              <a:buNone/>
-            </a:pPr>
-            <a:r>
-              <a:rPr lang="en-US" dirty="0"/>
-              <a:t>It is as Object Oriented language allowing code reuse. </a:t>
-            </a:r>
-            <a:endParaRPr lang="en-DK" dirty="0"/>
-          </a:p>
-        </p:txBody>
-      </p:sp>
-    </p:spTree>
-    <p:extLst>
-      <p:ext uri="{BB962C8B-B14F-4D97-AF65-F5344CB8AC3E}">
-        <p14:creationId xmlns:p14="http://schemas.microsoft.com/office/powerpoint/2010/main" val="3784773097"/>
-      </p:ext>
-    </p:extLst>
-  </p:cSld>
-  <p:clrMapOvr>
-    <a:masterClrMapping/>
-  </p:clrMapOvr>
-</p:sld>
-</file>
-
-<file path=ppt/slides/slide20.xml><?xml version="1.0" encoding="utf-8"?>
+<file path=ppt/slides/slide24.xml><?xml version="1.0" encoding="utf-8"?>
 <p:sld xmlns:a="http://schemas.openxmlformats.org/drawingml/2006/main" xmlns:r="http://schemas.openxmlformats.org/officeDocument/2006/relationships" xmlns:p="http://schemas.openxmlformats.org/presentationml/2006/main">
   <p:cSld>
     <p:spTree>
@@ -14555,7 +15566,7 @@
 </p:sld>
 </file>
 
-<file path=ppt/slides/slide21.xml><?xml version="1.0" encoding="utf-8"?>
+<file path=ppt/slides/slide25.xml><?xml version="1.0" encoding="utf-8"?>
 <p:sld xmlns:a="http://schemas.openxmlformats.org/drawingml/2006/main" xmlns:r="http://schemas.openxmlformats.org/officeDocument/2006/relationships" xmlns:p="http://schemas.openxmlformats.org/presentationml/2006/main">
   <p:cSld>
     <p:spTree>
@@ -15891,7 +16902,7 @@
 </p:sld>
 </file>
 
-<file path=ppt/slides/slide22.xml><?xml version="1.0" encoding="utf-8"?>
+<file path=ppt/slides/slide26.xml><?xml version="1.0" encoding="utf-8"?>
 <p:sld xmlns:a="http://schemas.openxmlformats.org/drawingml/2006/main" xmlns:r="http://schemas.openxmlformats.org/officeDocument/2006/relationships" xmlns:p="http://schemas.openxmlformats.org/presentationml/2006/main">
   <p:cSld>
     <p:spTree>
@@ -17253,7 +18264,7 @@
 </p:sld>
 </file>
 
-<file path=ppt/slides/slide23.xml><?xml version="1.0" encoding="utf-8"?>
+<file path=ppt/slides/slide27.xml><?xml version="1.0" encoding="utf-8"?>
 <p:sld xmlns:a="http://schemas.openxmlformats.org/drawingml/2006/main" xmlns:r="http://schemas.openxmlformats.org/officeDocument/2006/relationships" xmlns:p="http://schemas.openxmlformats.org/presentationml/2006/main">
   <p:cSld>
     <p:spTree>
@@ -17330,15 +18341,7 @@
             </a:pPr>
             <a:r>
               <a:rPr lang="en-US" dirty="0"/>
-              <a:t>Parameters are defined by their datatype and parameter name, each separated by a </a:t>
-            </a:r>
-            <a:r>
-              <a:rPr lang="en-US" dirty="0" err="1"/>
-              <a:t>komma</a:t>
-            </a:r>
-            <a:r>
-              <a:rPr lang="en-US" dirty="0"/>
-              <a:t> ‘,’. </a:t>
+              <a:t>Parameters are defined by their datatype and parameter name, each separated by a comma ‘,’. </a:t>
             </a:r>
           </a:p>
           <a:p>
@@ -17353,15 +18356,7 @@
             </a:pPr>
             <a:r>
               <a:rPr lang="en-US" dirty="0"/>
-              <a:t>The parameter name is used to reference its value within the method </a:t>
-            </a:r>
-            <a:r>
-              <a:rPr lang="en-US" dirty="0" err="1"/>
-              <a:t>scoope</a:t>
-            </a:r>
-            <a:r>
-              <a:rPr lang="en-US" dirty="0"/>
-              <a:t>. </a:t>
+              <a:t>The parameter name is used to reference its value within the method scope. </a:t>
             </a:r>
             <a:endParaRPr lang="en-DK" dirty="0"/>
           </a:p>
@@ -18567,7 +19562,7 @@
 </p:sld>
 </file>
 
-<file path=ppt/slides/slide24.xml><?xml version="1.0" encoding="utf-8"?>
+<file path=ppt/slides/slide28.xml><?xml version="1.0" encoding="utf-8"?>
 <p:sld xmlns:a="http://schemas.openxmlformats.org/drawingml/2006/main" xmlns:r="http://schemas.openxmlformats.org/officeDocument/2006/relationships" xmlns:p="http://schemas.openxmlformats.org/presentationml/2006/main">
   <p:cSld>
     <p:spTree>
@@ -18676,7 +19671,7 @@
 </p:sld>
 </file>
 
-<file path=ppt/slides/slide25.xml><?xml version="1.0" encoding="utf-8"?>
+<file path=ppt/slides/slide29.xml><?xml version="1.0" encoding="utf-8"?>
 <p:sld xmlns:a="http://schemas.openxmlformats.org/drawingml/2006/main" xmlns:r="http://schemas.openxmlformats.org/officeDocument/2006/relationships" xmlns:p="http://schemas.openxmlformats.org/presentationml/2006/main" show="0">
   <p:cSld>
     <p:spTree>
@@ -18791,120 +19786,6 @@
     <p:extLst>
       <p:ext uri="{BB962C8B-B14F-4D97-AF65-F5344CB8AC3E}">
         <p14:creationId xmlns:p14="http://schemas.microsoft.com/office/powerpoint/2010/main" val="2344570312"/>
-      </p:ext>
-    </p:extLst>
-  </p:cSld>
-  <p:clrMapOvr>
-    <a:masterClrMapping/>
-  </p:clrMapOvr>
-</p:sld>
-</file>
-
-<file path=ppt/slides/slide26.xml><?xml version="1.0" encoding="utf-8"?>
-<p:sld xmlns:a="http://schemas.openxmlformats.org/drawingml/2006/main" xmlns:r="http://schemas.openxmlformats.org/officeDocument/2006/relationships" xmlns:p="http://schemas.openxmlformats.org/presentationml/2006/main" show="0">
-  <p:cSld>
-    <p:spTree>
-      <p:nvGrpSpPr>
-        <p:cNvPr id="1" name=""/>
-        <p:cNvGrpSpPr/>
-        <p:nvPr/>
-      </p:nvGrpSpPr>
-      <p:grpSpPr>
-        <a:xfrm>
-          <a:off x="0" y="0"/>
-          <a:ext cx="0" cy="0"/>
-          <a:chOff x="0" y="0"/>
-          <a:chExt cx="0" cy="0"/>
-        </a:xfrm>
-      </p:grpSpPr>
-      <p:sp>
-        <p:nvSpPr>
-          <p:cNvPr id="2" name="Titel 1">
-            <a:extLst>
-              <a:ext uri="{FF2B5EF4-FFF2-40B4-BE49-F238E27FC236}">
-                <a16:creationId xmlns:a16="http://schemas.microsoft.com/office/drawing/2014/main" id="{237CCCD6-8D39-30BE-5850-044AFD9DD63B}"/>
-              </a:ext>
-            </a:extLst>
-          </p:cNvPr>
-          <p:cNvSpPr>
-            <a:spLocks noGrp="1"/>
-          </p:cNvSpPr>
-          <p:nvPr>
-            <p:ph type="title"/>
-          </p:nvPr>
-        </p:nvSpPr>
-        <p:spPr/>
-        <p:txBody>
-          <a:bodyPr/>
-          <a:lstStyle/>
-          <a:p>
-            <a:r>
-              <a:rPr lang="en-US" dirty="0"/>
-              <a:t>New material</a:t>
-            </a:r>
-            <a:endParaRPr lang="en-DK" dirty="0"/>
-          </a:p>
-        </p:txBody>
-      </p:sp>
-      <p:sp>
-        <p:nvSpPr>
-          <p:cNvPr id="3" name="Pladsholder til indhold 2">
-            <a:extLst>
-              <a:ext uri="{FF2B5EF4-FFF2-40B4-BE49-F238E27FC236}">
-                <a16:creationId xmlns:a16="http://schemas.microsoft.com/office/drawing/2014/main" id="{A05172B9-FAFE-FD03-5C55-C3481AE04B25}"/>
-              </a:ext>
-            </a:extLst>
-          </p:cNvPr>
-          <p:cNvSpPr>
-            <a:spLocks noGrp="1"/>
-          </p:cNvSpPr>
-          <p:nvPr>
-            <p:ph idx="1"/>
-          </p:nvPr>
-        </p:nvSpPr>
-        <p:spPr/>
-        <p:txBody>
-          <a:bodyPr/>
-          <a:lstStyle/>
-          <a:p>
-            <a:r>
-              <a:rPr lang="en-US" dirty="0"/>
-              <a:t>Programming languages in general</a:t>
-            </a:r>
-          </a:p>
-          <a:p>
-            <a:r>
-              <a:rPr lang="en-US" dirty="0"/>
-              <a:t>What are IDE’s</a:t>
-            </a:r>
-          </a:p>
-          <a:p>
-            <a:r>
-              <a:rPr lang="en-US" dirty="0" err="1"/>
-              <a:t>Github</a:t>
-            </a:r>
-            <a:r>
-              <a:rPr lang="en-US" dirty="0"/>
-              <a:t>/</a:t>
-            </a:r>
-            <a:r>
-              <a:rPr lang="en-US" dirty="0" err="1"/>
-              <a:t>Gitkraken</a:t>
-            </a:r>
-            <a:endParaRPr lang="en-US" dirty="0"/>
-          </a:p>
-          <a:p>
-            <a:r>
-              <a:rPr lang="en-US" dirty="0"/>
-              <a:t>Git Projects </a:t>
-            </a:r>
-          </a:p>
-        </p:txBody>
-      </p:sp>
-    </p:spTree>
-    <p:extLst>
-      <p:ext uri="{BB962C8B-B14F-4D97-AF65-F5344CB8AC3E}">
-        <p14:creationId xmlns:p14="http://schemas.microsoft.com/office/powerpoint/2010/main" val="2071502820"/>
       </p:ext>
     </p:extLst>
   </p:cSld>
@@ -19152,6 +20033,120 @@
     <p:extLst>
       <p:ext uri="{BB962C8B-B14F-4D97-AF65-F5344CB8AC3E}">
         <p14:creationId xmlns:p14="http://schemas.microsoft.com/office/powerpoint/2010/main" val="3602745838"/>
+      </p:ext>
+    </p:extLst>
+  </p:cSld>
+  <p:clrMapOvr>
+    <a:masterClrMapping/>
+  </p:clrMapOvr>
+</p:sld>
+</file>
+
+<file path=ppt/slides/slide30.xml><?xml version="1.0" encoding="utf-8"?>
+<p:sld xmlns:a="http://schemas.openxmlformats.org/drawingml/2006/main" xmlns:r="http://schemas.openxmlformats.org/officeDocument/2006/relationships" xmlns:p="http://schemas.openxmlformats.org/presentationml/2006/main" show="0">
+  <p:cSld>
+    <p:spTree>
+      <p:nvGrpSpPr>
+        <p:cNvPr id="1" name=""/>
+        <p:cNvGrpSpPr/>
+        <p:nvPr/>
+      </p:nvGrpSpPr>
+      <p:grpSpPr>
+        <a:xfrm>
+          <a:off x="0" y="0"/>
+          <a:ext cx="0" cy="0"/>
+          <a:chOff x="0" y="0"/>
+          <a:chExt cx="0" cy="0"/>
+        </a:xfrm>
+      </p:grpSpPr>
+      <p:sp>
+        <p:nvSpPr>
+          <p:cNvPr id="2" name="Titel 1">
+            <a:extLst>
+              <a:ext uri="{FF2B5EF4-FFF2-40B4-BE49-F238E27FC236}">
+                <a16:creationId xmlns:a16="http://schemas.microsoft.com/office/drawing/2014/main" id="{237CCCD6-8D39-30BE-5850-044AFD9DD63B}"/>
+              </a:ext>
+            </a:extLst>
+          </p:cNvPr>
+          <p:cNvSpPr>
+            <a:spLocks noGrp="1"/>
+          </p:cNvSpPr>
+          <p:nvPr>
+            <p:ph type="title"/>
+          </p:nvPr>
+        </p:nvSpPr>
+        <p:spPr/>
+        <p:txBody>
+          <a:bodyPr/>
+          <a:lstStyle/>
+          <a:p>
+            <a:r>
+              <a:rPr lang="en-US" dirty="0"/>
+              <a:t>New material</a:t>
+            </a:r>
+            <a:endParaRPr lang="en-DK" dirty="0"/>
+          </a:p>
+        </p:txBody>
+      </p:sp>
+      <p:sp>
+        <p:nvSpPr>
+          <p:cNvPr id="3" name="Pladsholder til indhold 2">
+            <a:extLst>
+              <a:ext uri="{FF2B5EF4-FFF2-40B4-BE49-F238E27FC236}">
+                <a16:creationId xmlns:a16="http://schemas.microsoft.com/office/drawing/2014/main" id="{A05172B9-FAFE-FD03-5C55-C3481AE04B25}"/>
+              </a:ext>
+            </a:extLst>
+          </p:cNvPr>
+          <p:cNvSpPr>
+            <a:spLocks noGrp="1"/>
+          </p:cNvSpPr>
+          <p:nvPr>
+            <p:ph idx="1"/>
+          </p:nvPr>
+        </p:nvSpPr>
+        <p:spPr/>
+        <p:txBody>
+          <a:bodyPr/>
+          <a:lstStyle/>
+          <a:p>
+            <a:r>
+              <a:rPr lang="en-US" dirty="0"/>
+              <a:t>Programming languages in general</a:t>
+            </a:r>
+          </a:p>
+          <a:p>
+            <a:r>
+              <a:rPr lang="en-US" dirty="0"/>
+              <a:t>What are IDE’s</a:t>
+            </a:r>
+          </a:p>
+          <a:p>
+            <a:r>
+              <a:rPr lang="en-US" dirty="0" err="1"/>
+              <a:t>Github</a:t>
+            </a:r>
+            <a:r>
+              <a:rPr lang="en-US" dirty="0"/>
+              <a:t>/</a:t>
+            </a:r>
+            <a:r>
+              <a:rPr lang="en-US" dirty="0" err="1"/>
+              <a:t>Gitkraken</a:t>
+            </a:r>
+            <a:endParaRPr lang="en-US" dirty="0"/>
+          </a:p>
+          <a:p>
+            <a:r>
+              <a:rPr lang="en-US" dirty="0"/>
+              <a:t>Git Projects </a:t>
+            </a:r>
+          </a:p>
+        </p:txBody>
+      </p:sp>
+    </p:spTree>
+    <p:extLst>
+      <p:ext uri="{BB962C8B-B14F-4D97-AF65-F5344CB8AC3E}">
+        <p14:creationId xmlns:p14="http://schemas.microsoft.com/office/powerpoint/2010/main" val="2071502820"/>
       </p:ext>
     </p:extLst>
   </p:cSld>
@@ -19484,7 +20479,7 @@
             <p:ph idx="1"/>
             <p:extLst>
               <p:ext uri="{D42A27DB-BD31-4B8C-83A1-F6EECF244321}">
-                <p14:modId xmlns:p14="http://schemas.microsoft.com/office/powerpoint/2010/main" val="323217272"/>
+                <p14:modId xmlns:p14="http://schemas.microsoft.com/office/powerpoint/2010/main" val="3414768383"/>
               </p:ext>
             </p:extLst>
           </p:nvPr>
@@ -19669,6 +20664,14 @@
                         <a:rPr lang="en-US" dirty="0"/>
                         <a:t> </a:t>
                       </a:r>
+                      <a:r>
+                        <a:rPr lang="en-US" dirty="0" err="1"/>
+                        <a:t>Systestem.Out.Println</a:t>
+                      </a:r>
+                      <a:r>
+                        <a:rPr lang="en-US" dirty="0"/>
+                        <a:t>()</a:t>
+                      </a:r>
                       <a:endParaRPr lang="en-DK" dirty="0"/>
                     </a:p>
                   </a:txBody>
@@ -19679,6 +20682,18 @@
                     <a:bodyPr/>
                     <a:lstStyle/>
                     <a:p>
+                      <a:r>
+                        <a:rPr lang="en-US" dirty="0"/>
+                        <a:t>“</a:t>
+                      </a:r>
+                      <a:r>
+                        <a:rPr lang="en-US" dirty="0" err="1"/>
+                        <a:t>sout</a:t>
+                      </a:r>
+                      <a:r>
+                        <a:rPr lang="en-US" dirty="0"/>
+                        <a:t>” + tab</a:t>
+                      </a:r>
                       <a:endParaRPr lang="en-DK" dirty="0"/>
                     </a:p>
                   </a:txBody>
@@ -19689,7 +20704,19 @@
                     <a:bodyPr/>
                     <a:lstStyle/>
                     <a:p>
-                      <a:endParaRPr lang="en-DK"/>
+                      <a:r>
+                        <a:rPr lang="en-US" dirty="0"/>
+                        <a:t>“</a:t>
+                      </a:r>
+                      <a:r>
+                        <a:rPr lang="en-US" dirty="0" err="1"/>
+                        <a:t>sout</a:t>
+                      </a:r>
+                      <a:r>
+                        <a:rPr lang="en-US" dirty="0"/>
+                        <a:t>” + tab</a:t>
+                      </a:r>
+                      <a:endParaRPr lang="en-DK" dirty="0"/>
                     </a:p>
                   </a:txBody>
                   <a:tcPr/>
@@ -19699,7 +20726,19 @@
                     <a:bodyPr/>
                     <a:lstStyle/>
                     <a:p>
-                      <a:endParaRPr lang="en-DK"/>
+                      <a:r>
+                        <a:rPr lang="en-US" dirty="0"/>
+                        <a:t>“</a:t>
+                      </a:r>
+                      <a:r>
+                        <a:rPr lang="en-US" dirty="0" err="1"/>
+                        <a:t>sout</a:t>
+                      </a:r>
+                      <a:r>
+                        <a:rPr lang="en-US" dirty="0"/>
+                        <a:t>” + tab</a:t>
+                      </a:r>
+                      <a:endParaRPr lang="en-DK" dirty="0"/>
                     </a:p>
                   </a:txBody>
                   <a:tcPr/>
@@ -20354,6 +21393,90 @@
           <p:cNvPr id="2" name="Titel 1">
             <a:extLst>
               <a:ext uri="{FF2B5EF4-FFF2-40B4-BE49-F238E27FC236}">
+                <a16:creationId xmlns:a16="http://schemas.microsoft.com/office/drawing/2014/main" id="{860338D1-5C42-DF52-9BDD-349D5C92DB45}"/>
+              </a:ext>
+            </a:extLst>
+          </p:cNvPr>
+          <p:cNvSpPr>
+            <a:spLocks noGrp="1"/>
+          </p:cNvSpPr>
+          <p:nvPr>
+            <p:ph type="ctrTitle"/>
+          </p:nvPr>
+        </p:nvSpPr>
+        <p:spPr/>
+        <p:txBody>
+          <a:bodyPr/>
+          <a:lstStyle/>
+          <a:p>
+            <a:r>
+              <a:rPr lang="en-US" dirty="0"/>
+              <a:t>Basic Programming</a:t>
+            </a:r>
+            <a:endParaRPr lang="en-DK" dirty="0"/>
+          </a:p>
+        </p:txBody>
+      </p:sp>
+      <p:sp>
+        <p:nvSpPr>
+          <p:cNvPr id="3" name="Undertitel 2">
+            <a:extLst>
+              <a:ext uri="{FF2B5EF4-FFF2-40B4-BE49-F238E27FC236}">
+                <a16:creationId xmlns:a16="http://schemas.microsoft.com/office/drawing/2014/main" id="{4C6F8C9E-ADC2-8482-CFD5-1790BC953FF1}"/>
+              </a:ext>
+            </a:extLst>
+          </p:cNvPr>
+          <p:cNvSpPr>
+            <a:spLocks noGrp="1"/>
+          </p:cNvSpPr>
+          <p:nvPr>
+            <p:ph type="subTitle" idx="1"/>
+          </p:nvPr>
+        </p:nvSpPr>
+        <p:spPr/>
+        <p:txBody>
+          <a:bodyPr/>
+          <a:lstStyle/>
+          <a:p>
+            <a:endParaRPr lang="en-DK"/>
+          </a:p>
+        </p:txBody>
+      </p:sp>
+    </p:spTree>
+    <p:extLst>
+      <p:ext uri="{BB962C8B-B14F-4D97-AF65-F5344CB8AC3E}">
+        <p14:creationId xmlns:p14="http://schemas.microsoft.com/office/powerpoint/2010/main" val="4165218954"/>
+      </p:ext>
+    </p:extLst>
+  </p:cSld>
+  <p:clrMapOvr>
+    <a:masterClrMapping/>
+  </p:clrMapOvr>
+</p:sld>
+</file>
+
+<file path=ppt/slides/slide8.xml><?xml version="1.0" encoding="utf-8"?>
+<p:sld xmlns:a="http://schemas.openxmlformats.org/drawingml/2006/main" xmlns:r="http://schemas.openxmlformats.org/officeDocument/2006/relationships" xmlns:p="http://schemas.openxmlformats.org/presentationml/2006/main">
+  <p:cSld>
+    <p:spTree>
+      <p:nvGrpSpPr>
+        <p:cNvPr id="1" name=""/>
+        <p:cNvGrpSpPr/>
+        <p:nvPr/>
+      </p:nvGrpSpPr>
+      <p:grpSpPr>
+        <a:xfrm>
+          <a:off x="0" y="0"/>
+          <a:ext cx="0" cy="0"/>
+          <a:chOff x="0" y="0"/>
+          <a:chExt cx="0" cy="0"/>
+        </a:xfrm>
+      </p:grpSpPr>
+      <p:sp>
+        <p:nvSpPr>
+          <p:cNvPr id="2" name="Titel 1">
+            <a:extLst>
+              <a:ext uri="{FF2B5EF4-FFF2-40B4-BE49-F238E27FC236}">
                 <a16:creationId xmlns:a16="http://schemas.microsoft.com/office/drawing/2014/main" id="{9CA2CEFA-9BD7-82D5-BFDC-A4688F2D3494}"/>
               </a:ext>
             </a:extLst>
@@ -20415,7 +21538,7 @@
           <a:p>
             <a:r>
               <a:rPr lang="en-US" dirty="0"/>
-              <a:t>All code has to be written in a class</a:t>
+              <a:t>Executable code has to be written in a class</a:t>
             </a:r>
           </a:p>
           <a:p>
@@ -20510,7 +21633,7 @@
 </p:sld>
 </file>
 
-<file path=ppt/slides/slide8.xml><?xml version="1.0" encoding="utf-8"?>
+<file path=ppt/slides/slide9.xml><?xml version="1.0" encoding="utf-8"?>
 <p:sld xmlns:a="http://schemas.openxmlformats.org/drawingml/2006/main" xmlns:r="http://schemas.openxmlformats.org/officeDocument/2006/relationships" xmlns:p="http://schemas.openxmlformats.org/presentationml/2006/main">
   <p:cSld>
     <p:spTree>
@@ -20549,8 +21672,8 @@
           <a:lstStyle/>
           <a:p>
             <a:r>
-              <a:rPr lang="en-US"/>
-              <a:t>Datatypes </a:t>
+              <a:rPr lang="en-US" dirty="0"/>
+              <a:t>Datatypes - Primitive </a:t>
             </a:r>
             <a:endParaRPr lang="en-DK" dirty="0"/>
           </a:p>
@@ -20572,7 +21695,7 @@
             <p:ph idx="1"/>
             <p:extLst>
               <p:ext uri="{D42A27DB-BD31-4B8C-83A1-F6EECF244321}">
-                <p14:modId xmlns:p14="http://schemas.microsoft.com/office/powerpoint/2010/main" val="3357202877"/>
+                <p14:modId xmlns:p14="http://schemas.microsoft.com/office/powerpoint/2010/main" val="255611491"/>
               </p:ext>
             </p:extLst>
           </p:nvPr>
@@ -21093,7 +22216,7 @@
                         <a:rPr lang="en-US" sz="1600" dirty="0">
                           <a:effectLst/>
                         </a:rPr>
-                        <a:t>Stores a single character/letter or ASCII values</a:t>
+                        <a:t>Stores a single character/letter or ASCII values in single quotation marks ‘’</a:t>
                       </a:r>
                     </a:p>
                   </a:txBody>
@@ -21155,653 +22278,6 @@
     <p:extLst>
       <p:ext uri="{BB962C8B-B14F-4D97-AF65-F5344CB8AC3E}">
         <p14:creationId xmlns:p14="http://schemas.microsoft.com/office/powerpoint/2010/main" val="401925919"/>
-      </p:ext>
-    </p:extLst>
-  </p:cSld>
-  <p:clrMapOvr>
-    <a:masterClrMapping/>
-  </p:clrMapOvr>
-</p:sld>
-</file>
-
-<file path=ppt/slides/slide9.xml><?xml version="1.0" encoding="utf-8"?>
-<p:sld xmlns:a="http://schemas.openxmlformats.org/drawingml/2006/main" xmlns:r="http://schemas.openxmlformats.org/officeDocument/2006/relationships" xmlns:p="http://schemas.openxmlformats.org/presentationml/2006/main">
-  <p:cSld>
-    <p:spTree>
-      <p:nvGrpSpPr>
-        <p:cNvPr id="1" name=""/>
-        <p:cNvGrpSpPr/>
-        <p:nvPr/>
-      </p:nvGrpSpPr>
-      <p:grpSpPr>
-        <a:xfrm>
-          <a:off x="0" y="0"/>
-          <a:ext cx="0" cy="0"/>
-          <a:chOff x="0" y="0"/>
-          <a:chExt cx="0" cy="0"/>
-        </a:xfrm>
-      </p:grpSpPr>
-      <p:sp>
-        <p:nvSpPr>
-          <p:cNvPr id="2" name="Titel 1">
-            <a:extLst>
-              <a:ext uri="{FF2B5EF4-FFF2-40B4-BE49-F238E27FC236}">
-                <a16:creationId xmlns:a16="http://schemas.microsoft.com/office/drawing/2014/main" id="{EC24F5FF-0378-7CDB-FEDD-D8A60F3DA737}"/>
-              </a:ext>
-            </a:extLst>
-          </p:cNvPr>
-          <p:cNvSpPr>
-            <a:spLocks noGrp="1"/>
-          </p:cNvSpPr>
-          <p:nvPr>
-            <p:ph type="title"/>
-          </p:nvPr>
-        </p:nvSpPr>
-        <p:spPr/>
-        <p:txBody>
-          <a:bodyPr/>
-          <a:lstStyle/>
-          <a:p>
-            <a:r>
-              <a:rPr lang="en-US" dirty="0"/>
-              <a:t>Variables </a:t>
-            </a:r>
-            <a:endParaRPr lang="en-DK" dirty="0"/>
-          </a:p>
-        </p:txBody>
-      </p:sp>
-      <p:sp>
-        <p:nvSpPr>
-          <p:cNvPr id="3" name="Pladsholder til indhold 2">
-            <a:extLst>
-              <a:ext uri="{FF2B5EF4-FFF2-40B4-BE49-F238E27FC236}">
-                <a16:creationId xmlns:a16="http://schemas.microsoft.com/office/drawing/2014/main" id="{BB15B99A-499C-BBDD-6F0D-66B6E8F9A090}"/>
-              </a:ext>
-            </a:extLst>
-          </p:cNvPr>
-          <p:cNvSpPr>
-            <a:spLocks noGrp="1"/>
-          </p:cNvSpPr>
-          <p:nvPr>
-            <p:ph idx="1"/>
-          </p:nvPr>
-        </p:nvSpPr>
-        <p:spPr>
-          <a:xfrm>
-            <a:off x="838200" y="1825625"/>
-            <a:ext cx="10515600" cy="671769"/>
-          </a:xfrm>
-        </p:spPr>
-        <p:txBody>
-          <a:bodyPr/>
-          <a:lstStyle/>
-          <a:p>
-            <a:pPr marL="0" indent="0">
-              <a:buNone/>
-            </a:pPr>
-            <a:r>
-              <a:rPr lang="en-US" dirty="0"/>
-              <a:t>A variable is a container used to store values of a specific datatype. </a:t>
-            </a:r>
-          </a:p>
-          <a:p>
-            <a:pPr marL="0" indent="0">
-              <a:buNone/>
-            </a:pPr>
-            <a:endParaRPr lang="en-DK" dirty="0"/>
-          </a:p>
-        </p:txBody>
-      </p:sp>
-      <p:sp>
-        <p:nvSpPr>
-          <p:cNvPr id="7" name="Tekstfelt 6">
-            <a:extLst>
-              <a:ext uri="{FF2B5EF4-FFF2-40B4-BE49-F238E27FC236}">
-                <a16:creationId xmlns:a16="http://schemas.microsoft.com/office/drawing/2014/main" id="{4B95AD9D-5973-861F-38E6-EF16A1BDC431}"/>
-              </a:ext>
-            </a:extLst>
-          </p:cNvPr>
-          <p:cNvSpPr txBox="1"/>
-          <p:nvPr/>
-        </p:nvSpPr>
-        <p:spPr>
-          <a:xfrm>
-            <a:off x="3338050" y="5817736"/>
-            <a:ext cx="2497393" cy="523220"/>
-          </a:xfrm>
-          <a:prstGeom prst="rect">
-            <a:avLst/>
-          </a:prstGeom>
-          <a:noFill/>
-        </p:spPr>
-        <p:txBody>
-          <a:bodyPr wrap="square" rtlCol="0">
-            <a:spAutoFit/>
-          </a:bodyPr>
-          <a:lstStyle/>
-          <a:p>
-            <a:r>
-              <a:rPr lang="en-US" sz="2800" dirty="0"/>
-              <a:t>Variable name </a:t>
-            </a:r>
-            <a:endParaRPr lang="en-DK" sz="2800" dirty="0"/>
-          </a:p>
-        </p:txBody>
-      </p:sp>
-      <p:sp>
-        <p:nvSpPr>
-          <p:cNvPr id="10" name="Tekstfelt 9">
-            <a:extLst>
-              <a:ext uri="{FF2B5EF4-FFF2-40B4-BE49-F238E27FC236}">
-                <a16:creationId xmlns:a16="http://schemas.microsoft.com/office/drawing/2014/main" id="{5E56B392-8E4E-1A86-5991-B766EE63E023}"/>
-              </a:ext>
-            </a:extLst>
-          </p:cNvPr>
-          <p:cNvSpPr txBox="1"/>
-          <p:nvPr/>
-        </p:nvSpPr>
-        <p:spPr>
-          <a:xfrm>
-            <a:off x="2974256" y="2841978"/>
-            <a:ext cx="1612491" cy="523220"/>
-          </a:xfrm>
-          <a:prstGeom prst="rect">
-            <a:avLst/>
-          </a:prstGeom>
-          <a:noFill/>
-        </p:spPr>
-        <p:txBody>
-          <a:bodyPr wrap="square" rtlCol="0">
-            <a:spAutoFit/>
-          </a:bodyPr>
-          <a:lstStyle/>
-          <a:p>
-            <a:r>
-              <a:rPr lang="en-US" sz="2800" dirty="0"/>
-              <a:t>Datatype</a:t>
-            </a:r>
-            <a:endParaRPr lang="en-DK" sz="2800" dirty="0"/>
-          </a:p>
-        </p:txBody>
-      </p:sp>
-      <p:sp>
-        <p:nvSpPr>
-          <p:cNvPr id="19" name="Tekstfelt 18">
-            <a:extLst>
-              <a:ext uri="{FF2B5EF4-FFF2-40B4-BE49-F238E27FC236}">
-                <a16:creationId xmlns:a16="http://schemas.microsoft.com/office/drawing/2014/main" id="{3DEE9EA0-D26A-D8E7-0E70-A99717B42980}"/>
-              </a:ext>
-            </a:extLst>
-          </p:cNvPr>
-          <p:cNvSpPr txBox="1"/>
-          <p:nvPr/>
-        </p:nvSpPr>
-        <p:spPr>
-          <a:xfrm>
-            <a:off x="5614222" y="2669687"/>
-            <a:ext cx="1868126" cy="523220"/>
-          </a:xfrm>
-          <a:prstGeom prst="rect">
-            <a:avLst/>
-          </a:prstGeom>
-          <a:noFill/>
-        </p:spPr>
-        <p:txBody>
-          <a:bodyPr wrap="square" rtlCol="0">
-            <a:spAutoFit/>
-          </a:bodyPr>
-          <a:lstStyle/>
-          <a:p>
-            <a:r>
-              <a:rPr lang="en-US" sz="2800" dirty="0"/>
-              <a:t>Sets value </a:t>
-            </a:r>
-            <a:endParaRPr lang="en-DK" sz="2800" dirty="0"/>
-          </a:p>
-        </p:txBody>
-      </p:sp>
-      <p:sp>
-        <p:nvSpPr>
-          <p:cNvPr id="27" name="Tekstfelt 26">
-            <a:extLst>
-              <a:ext uri="{FF2B5EF4-FFF2-40B4-BE49-F238E27FC236}">
-                <a16:creationId xmlns:a16="http://schemas.microsoft.com/office/drawing/2014/main" id="{060BBDFC-E543-F012-91C0-E1FF84C540F8}"/>
-              </a:ext>
-            </a:extLst>
-          </p:cNvPr>
-          <p:cNvSpPr txBox="1"/>
-          <p:nvPr/>
-        </p:nvSpPr>
-        <p:spPr>
-          <a:xfrm>
-            <a:off x="6548285" y="5809859"/>
-            <a:ext cx="2497393" cy="523220"/>
-          </a:xfrm>
-          <a:prstGeom prst="rect">
-            <a:avLst/>
-          </a:prstGeom>
-          <a:noFill/>
-        </p:spPr>
-        <p:txBody>
-          <a:bodyPr wrap="square" rtlCol="0">
-            <a:spAutoFit/>
-          </a:bodyPr>
-          <a:lstStyle/>
-          <a:p>
-            <a:r>
-              <a:rPr lang="en-US" sz="2800" dirty="0"/>
-              <a:t>Value</a:t>
-            </a:r>
-            <a:endParaRPr lang="en-DK" sz="2800" dirty="0"/>
-          </a:p>
-        </p:txBody>
-      </p:sp>
-      <p:sp>
-        <p:nvSpPr>
-          <p:cNvPr id="28" name="Rectangle 1">
-            <a:extLst>
-              <a:ext uri="{FF2B5EF4-FFF2-40B4-BE49-F238E27FC236}">
-                <a16:creationId xmlns:a16="http://schemas.microsoft.com/office/drawing/2014/main" id="{38C2329F-DDFB-932D-7664-91D950004684}"/>
-              </a:ext>
-            </a:extLst>
-          </p:cNvPr>
-          <p:cNvSpPr>
-            <a:spLocks noChangeArrowheads="1"/>
-          </p:cNvSpPr>
-          <p:nvPr/>
-        </p:nvSpPr>
-        <p:spPr bwMode="auto">
-          <a:xfrm>
-            <a:off x="4267090" y="3853862"/>
-            <a:ext cx="2694264" cy="1015663"/>
-          </a:xfrm>
-          <a:prstGeom prst="rect">
-            <a:avLst/>
-          </a:prstGeom>
-          <a:solidFill>
-            <a:srgbClr val="FFFFFF"/>
-          </a:solidFill>
-          <a:ln>
-            <a:noFill/>
-          </a:ln>
-          <a:effectLst/>
-          <a:extLst>
-            <a:ext uri="{91240B29-F687-4F45-9708-019B960494DF}">
-              <a14:hiddenLine xmlns:a14="http://schemas.microsoft.com/office/drawing/2010/main" w="9525">
-                <a:solidFill>
-                  <a:schemeClr val="tx1"/>
-                </a:solidFill>
-                <a:miter lim="800000"/>
-                <a:headEnd/>
-                <a:tailEnd/>
-              </a14:hiddenLine>
-            </a:ext>
-            <a:ext uri="{AF507438-7753-43E0-B8FC-AC1667EBCBE1}">
-              <a14:hiddenEffects xmlns:a14="http://schemas.microsoft.com/office/drawing/2010/main">
-                <a:effectLst>
-                  <a:outerShdw dist="35921" dir="2700000" algn="ctr" rotWithShape="0">
-                    <a:schemeClr val="bg2"/>
-                  </a:outerShdw>
-                </a:effectLst>
-              </a14:hiddenEffects>
-            </a:ext>
-          </a:extLst>
-        </p:spPr>
-        <p:txBody>
-          <a:bodyPr vert="horz" wrap="none" lIns="91440" tIns="45720" rIns="91440" bIns="45720" numCol="1" anchor="ctr" anchorCtr="0" compatLnSpc="1">
-            <a:prstTxWarp prst="textNoShape">
-              <a:avLst/>
-            </a:prstTxWarp>
-            <a:spAutoFit/>
-          </a:bodyPr>
-          <a:lstStyle/>
-          <a:p>
-            <a:pPr marL="0" marR="0" lvl="0" indent="0" algn="ctr" defTabSz="914400" rtl="0" eaLnBrk="0" fontAlgn="base" latinLnBrk="0" hangingPunct="0">
-              <a:lnSpc>
-                <a:spcPct val="100000"/>
-              </a:lnSpc>
-              <a:spcBef>
-                <a:spcPct val="0"/>
-              </a:spcBef>
-              <a:spcAft>
-                <a:spcPct val="0"/>
-              </a:spcAft>
-              <a:buClrTx/>
-              <a:buSzTx/>
-              <a:buFontTx/>
-              <a:buNone/>
-              <a:tabLst/>
-            </a:pPr>
-            <a:r>
-              <a:rPr kumimoji="0" lang="en-DK" altLang="en-DK" sz="6000" b="0" i="0" u="none" strike="noStrike" cap="none" normalizeH="0" baseline="0" dirty="0">
-                <a:ln>
-                  <a:noFill/>
-                </a:ln>
-                <a:solidFill>
-                  <a:srgbClr val="0033B3"/>
-                </a:solidFill>
-                <a:effectLst/>
-                <a:latin typeface="JetBrains Mono"/>
-              </a:rPr>
-              <a:t>int </a:t>
-            </a:r>
-            <a:r>
-              <a:rPr kumimoji="0" lang="en-DK" altLang="en-DK" sz="6000" b="0" i="0" u="none" strike="noStrike" cap="none" normalizeH="0" baseline="0" dirty="0" err="1">
-                <a:ln>
-                  <a:noFill/>
-                </a:ln>
-                <a:solidFill>
-                  <a:srgbClr val="000000"/>
-                </a:solidFill>
-                <a:effectLst/>
-                <a:latin typeface="JetBrains Mono"/>
-              </a:rPr>
-              <a:t>i</a:t>
-            </a:r>
-            <a:r>
-              <a:rPr kumimoji="0" lang="en-DK" altLang="en-DK" sz="6000" b="0" i="0" u="none" strike="noStrike" cap="none" normalizeH="0" baseline="0" dirty="0">
-                <a:ln>
-                  <a:noFill/>
-                </a:ln>
-                <a:solidFill>
-                  <a:srgbClr val="000000"/>
-                </a:solidFill>
-                <a:effectLst/>
-                <a:latin typeface="JetBrains Mono"/>
-              </a:rPr>
-              <a:t> </a:t>
-            </a:r>
-            <a:r>
-              <a:rPr kumimoji="0" lang="en-DK" altLang="en-DK" sz="6000" b="0" i="0" u="none" strike="noStrike" cap="none" normalizeH="0" baseline="0" dirty="0">
-                <a:ln>
-                  <a:noFill/>
-                </a:ln>
-                <a:solidFill>
-                  <a:srgbClr val="080808"/>
-                </a:solidFill>
-                <a:effectLst/>
-                <a:latin typeface="JetBrains Mono"/>
-              </a:rPr>
-              <a:t>= </a:t>
-            </a:r>
-            <a:r>
-              <a:rPr kumimoji="0" lang="en-DK" altLang="en-DK" sz="6000" b="0" i="0" u="none" strike="noStrike" cap="none" normalizeH="0" baseline="0" dirty="0">
-                <a:ln>
-                  <a:noFill/>
-                </a:ln>
-                <a:solidFill>
-                  <a:srgbClr val="1750EB"/>
-                </a:solidFill>
-                <a:effectLst/>
-                <a:latin typeface="JetBrains Mono"/>
-              </a:rPr>
-              <a:t>5</a:t>
-            </a:r>
-            <a:r>
-              <a:rPr kumimoji="0" lang="en-DK" altLang="en-DK" sz="6000" b="0" i="0" u="none" strike="noStrike" cap="none" normalizeH="0" baseline="0" dirty="0">
-                <a:ln>
-                  <a:noFill/>
-                </a:ln>
-                <a:solidFill>
-                  <a:srgbClr val="080808"/>
-                </a:solidFill>
-                <a:effectLst/>
-                <a:latin typeface="JetBrains Mono"/>
-              </a:rPr>
-              <a:t>;</a:t>
-            </a:r>
-            <a:endParaRPr kumimoji="0" lang="en-DK" altLang="en-DK" sz="6000" b="0" i="0" u="none" strike="noStrike" cap="none" normalizeH="0" baseline="0" dirty="0">
-              <a:ln>
-                <a:noFill/>
-              </a:ln>
-              <a:solidFill>
-                <a:schemeClr val="tx1"/>
-              </a:solidFill>
-              <a:effectLst/>
-              <a:latin typeface="Arial" panose="020B0604020202020204" pitchFamily="34" charset="0"/>
-            </a:endParaRPr>
-          </a:p>
-        </p:txBody>
-      </p:sp>
-      <p:cxnSp>
-        <p:nvCxnSpPr>
-          <p:cNvPr id="30" name="Lige pilforbindelse 29">
-            <a:extLst>
-              <a:ext uri="{FF2B5EF4-FFF2-40B4-BE49-F238E27FC236}">
-                <a16:creationId xmlns:a16="http://schemas.microsoft.com/office/drawing/2014/main" id="{16433B6E-F918-C3D3-1BDD-896B549BBA51}"/>
-              </a:ext>
-            </a:extLst>
-          </p:cNvPr>
-          <p:cNvCxnSpPr>
-            <a:stCxn id="10" idx="2"/>
-          </p:cNvCxnSpPr>
-          <p:nvPr/>
-        </p:nvCxnSpPr>
-        <p:spPr>
-          <a:xfrm>
-            <a:off x="3780502" y="3365198"/>
-            <a:ext cx="938982" cy="725021"/>
-          </a:xfrm>
-          <a:prstGeom prst="straightConnector1">
-            <a:avLst/>
-          </a:prstGeom>
-          <a:ln>
-            <a:tailEnd type="triangle"/>
-          </a:ln>
-        </p:spPr>
-        <p:style>
-          <a:lnRef idx="1">
-            <a:schemeClr val="accent1"/>
-          </a:lnRef>
-          <a:fillRef idx="0">
-            <a:schemeClr val="accent1"/>
-          </a:fillRef>
-          <a:effectRef idx="0">
-            <a:schemeClr val="accent1"/>
-          </a:effectRef>
-          <a:fontRef idx="minor">
-            <a:schemeClr val="tx1"/>
-          </a:fontRef>
-        </p:style>
-      </p:cxnSp>
-      <p:cxnSp>
-        <p:nvCxnSpPr>
-          <p:cNvPr id="32" name="Lige pilforbindelse 31">
-            <a:extLst>
-              <a:ext uri="{FF2B5EF4-FFF2-40B4-BE49-F238E27FC236}">
-                <a16:creationId xmlns:a16="http://schemas.microsoft.com/office/drawing/2014/main" id="{3F1F024A-5575-9552-AD8A-E19E5ADF4CD1}"/>
-              </a:ext>
-            </a:extLst>
-          </p:cNvPr>
-          <p:cNvCxnSpPr/>
-          <p:nvPr/>
-        </p:nvCxnSpPr>
-        <p:spPr>
-          <a:xfrm flipV="1">
-            <a:off x="4375355" y="4758813"/>
-            <a:ext cx="1012722" cy="1179871"/>
-          </a:xfrm>
-          <a:prstGeom prst="straightConnector1">
-            <a:avLst/>
-          </a:prstGeom>
-          <a:ln>
-            <a:tailEnd type="triangle"/>
-          </a:ln>
-        </p:spPr>
-        <p:style>
-          <a:lnRef idx="1">
-            <a:schemeClr val="accent1"/>
-          </a:lnRef>
-          <a:fillRef idx="0">
-            <a:schemeClr val="accent1"/>
-          </a:fillRef>
-          <a:effectRef idx="0">
-            <a:schemeClr val="accent1"/>
-          </a:effectRef>
-          <a:fontRef idx="minor">
-            <a:schemeClr val="tx1"/>
-          </a:fontRef>
-        </p:style>
-      </p:cxnSp>
-      <p:cxnSp>
-        <p:nvCxnSpPr>
-          <p:cNvPr id="34" name="Lige pilforbindelse 33">
-            <a:extLst>
-              <a:ext uri="{FF2B5EF4-FFF2-40B4-BE49-F238E27FC236}">
-                <a16:creationId xmlns:a16="http://schemas.microsoft.com/office/drawing/2014/main" id="{784A299C-5865-4EEF-46EE-7F6BDE5BAAA0}"/>
-              </a:ext>
-            </a:extLst>
-          </p:cNvPr>
-          <p:cNvCxnSpPr/>
-          <p:nvPr/>
-        </p:nvCxnSpPr>
-        <p:spPr>
-          <a:xfrm flipH="1">
-            <a:off x="5919019" y="3103588"/>
-            <a:ext cx="511278" cy="1039638"/>
-          </a:xfrm>
-          <a:prstGeom prst="straightConnector1">
-            <a:avLst/>
-          </a:prstGeom>
-          <a:ln>
-            <a:tailEnd type="triangle"/>
-          </a:ln>
-        </p:spPr>
-        <p:style>
-          <a:lnRef idx="1">
-            <a:schemeClr val="accent1"/>
-          </a:lnRef>
-          <a:fillRef idx="0">
-            <a:schemeClr val="accent1"/>
-          </a:fillRef>
-          <a:effectRef idx="0">
-            <a:schemeClr val="accent1"/>
-          </a:effectRef>
-          <a:fontRef idx="minor">
-            <a:schemeClr val="tx1"/>
-          </a:fontRef>
-        </p:style>
-      </p:cxnSp>
-      <p:cxnSp>
-        <p:nvCxnSpPr>
-          <p:cNvPr id="36" name="Lige pilforbindelse 35">
-            <a:extLst>
-              <a:ext uri="{FF2B5EF4-FFF2-40B4-BE49-F238E27FC236}">
-                <a16:creationId xmlns:a16="http://schemas.microsoft.com/office/drawing/2014/main" id="{AD12283F-8311-C9AA-D61B-848B2677BBA0}"/>
-              </a:ext>
-            </a:extLst>
-          </p:cNvPr>
-          <p:cNvCxnSpPr/>
-          <p:nvPr/>
-        </p:nvCxnSpPr>
-        <p:spPr>
-          <a:xfrm flipH="1" flipV="1">
-            <a:off x="6449961" y="4819873"/>
-            <a:ext cx="511393" cy="997863"/>
-          </a:xfrm>
-          <a:prstGeom prst="straightConnector1">
-            <a:avLst/>
-          </a:prstGeom>
-          <a:ln>
-            <a:tailEnd type="triangle"/>
-          </a:ln>
-        </p:spPr>
-        <p:style>
-          <a:lnRef idx="1">
-            <a:schemeClr val="accent1"/>
-          </a:lnRef>
-          <a:fillRef idx="0">
-            <a:schemeClr val="accent1"/>
-          </a:fillRef>
-          <a:effectRef idx="0">
-            <a:schemeClr val="accent1"/>
-          </a:effectRef>
-          <a:fontRef idx="minor">
-            <a:schemeClr val="tx1"/>
-          </a:fontRef>
-        </p:style>
-      </p:cxnSp>
-      <p:sp>
-        <p:nvSpPr>
-          <p:cNvPr id="37" name="Tekstfelt 36">
-            <a:extLst>
-              <a:ext uri="{FF2B5EF4-FFF2-40B4-BE49-F238E27FC236}">
-                <a16:creationId xmlns:a16="http://schemas.microsoft.com/office/drawing/2014/main" id="{C0DCD507-374E-4389-BC92-8812AE3A19BB}"/>
-              </a:ext>
-            </a:extLst>
-          </p:cNvPr>
-          <p:cNvSpPr txBox="1"/>
-          <p:nvPr/>
-        </p:nvSpPr>
-        <p:spPr>
-          <a:xfrm>
-            <a:off x="8111614" y="3536997"/>
-            <a:ext cx="2615379" cy="523220"/>
-          </a:xfrm>
-          <a:prstGeom prst="rect">
-            <a:avLst/>
-          </a:prstGeom>
-          <a:noFill/>
-        </p:spPr>
-        <p:txBody>
-          <a:bodyPr wrap="square" rtlCol="0">
-            <a:spAutoFit/>
-          </a:bodyPr>
-          <a:lstStyle/>
-          <a:p>
-            <a:r>
-              <a:rPr lang="en-US" sz="2800" dirty="0"/>
-              <a:t>Ends statement</a:t>
-            </a:r>
-          </a:p>
-        </p:txBody>
-      </p:sp>
-      <p:cxnSp>
-        <p:nvCxnSpPr>
-          <p:cNvPr id="39" name="Lige pilforbindelse 38">
-            <a:extLst>
-              <a:ext uri="{FF2B5EF4-FFF2-40B4-BE49-F238E27FC236}">
-                <a16:creationId xmlns:a16="http://schemas.microsoft.com/office/drawing/2014/main" id="{25055700-80EA-8AEB-6F8F-79F0A58F7E2E}"/>
-              </a:ext>
-            </a:extLst>
-          </p:cNvPr>
-          <p:cNvCxnSpPr>
-            <a:stCxn id="37" idx="1"/>
-            <a:endCxn id="28" idx="3"/>
-          </p:cNvCxnSpPr>
-          <p:nvPr/>
-        </p:nvCxnSpPr>
-        <p:spPr>
-          <a:xfrm flipH="1">
-            <a:off x="6961354" y="3798607"/>
-            <a:ext cx="1150260" cy="563087"/>
-          </a:xfrm>
-          <a:prstGeom prst="straightConnector1">
-            <a:avLst/>
-          </a:prstGeom>
-          <a:ln>
-            <a:tailEnd type="triangle"/>
-          </a:ln>
-        </p:spPr>
-        <p:style>
-          <a:lnRef idx="1">
-            <a:schemeClr val="accent1"/>
-          </a:lnRef>
-          <a:fillRef idx="0">
-            <a:schemeClr val="accent1"/>
-          </a:fillRef>
-          <a:effectRef idx="0">
-            <a:schemeClr val="accent1"/>
-          </a:effectRef>
-          <a:fontRef idx="minor">
-            <a:schemeClr val="tx1"/>
-          </a:fontRef>
-        </p:style>
-      </p:cxnSp>
-    </p:spTree>
-    <p:extLst>
-      <p:ext uri="{BB962C8B-B14F-4D97-AF65-F5344CB8AC3E}">
-        <p14:creationId xmlns:p14="http://schemas.microsoft.com/office/powerpoint/2010/main" val="3052693648"/>
       </p:ext>
     </p:extLst>
   </p:cSld>
